--- a/Programming 4/04.1 2D Animation Algorithms/04.1 2D Animation Algorithms.pptx
+++ b/Programming 4/04.1 2D Animation Algorithms/04.1 2D Animation Algorithms.pptx
@@ -229,7 +229,7 @@
           <a:p>
             <a:fld id="{1877258C-0AF3-9544-8465-E7298A647FBC}" type="datetimeFigureOut">
               <a:rPr lang="en-US" smtClean="0"/>
-              <a:t>8/9/19</a:t>
+              <a:t>8/13/19</a:t>
             </a:fld>
             <a:endParaRPr lang="en-US"/>
           </a:p>
@@ -545,99 +545,6 @@
               <a:buFont typeface="Arial" charset="0"/>
               <a:buChar char="•"/>
             </a:pPr>
-            <a:r>
-              <a:rPr lang="en-US" dirty="0" smtClean="0"/>
-              <a:t>In order to create an awesome Roguelike,</a:t>
-            </a:r>
-            <a:r>
-              <a:rPr lang="en-US" baseline="0" dirty="0" smtClean="0"/>
-              <a:t> we need sprite animations</a:t>
-            </a:r>
-          </a:p>
-          <a:p>
-            <a:pPr marL="171450" indent="-171450">
-              <a:buFont typeface="Arial" charset="0"/>
-              <a:buChar char="•"/>
-            </a:pPr>
-            <a:endParaRPr lang="en-US" baseline="0" dirty="0" smtClean="0"/>
-          </a:p>
-          <a:p>
-            <a:pPr marL="171450" indent="-171450">
-              <a:buFont typeface="Arial" charset="0"/>
-              <a:buChar char="•"/>
-            </a:pPr>
-            <a:r>
-              <a:rPr lang="en-US" baseline="0" dirty="0" smtClean="0"/>
-              <a:t>We will look at how to implement sprite animations in Visual C++</a:t>
-            </a:r>
-          </a:p>
-          <a:p>
-            <a:pPr marL="171450" indent="-171450">
-              <a:buFont typeface="Arial" charset="0"/>
-              <a:buChar char="•"/>
-            </a:pPr>
-            <a:endParaRPr lang="en-US" baseline="0" dirty="0" smtClean="0"/>
-          </a:p>
-          <a:p>
-            <a:pPr marL="171450" indent="-171450">
-              <a:buFont typeface="Arial" charset="0"/>
-              <a:buChar char="•"/>
-            </a:pPr>
-            <a:r>
-              <a:rPr lang="en-US" baseline="0" dirty="0" smtClean="0"/>
-              <a:t>This process will let us continue to develop out understanding of OO architecture</a:t>
-            </a:r>
-          </a:p>
-          <a:p>
-            <a:pPr marL="171450" indent="-171450">
-              <a:buFont typeface="Arial" charset="0"/>
-              <a:buChar char="•"/>
-            </a:pPr>
-            <a:endParaRPr lang="en-US" baseline="0" dirty="0" smtClean="0"/>
-          </a:p>
-          <a:p>
-            <a:pPr marL="171450" indent="-171450">
-              <a:buFont typeface="Arial" charset="0"/>
-              <a:buChar char="•"/>
-            </a:pPr>
-            <a:r>
-              <a:rPr lang="en-US" baseline="0" dirty="0" smtClean="0"/>
-              <a:t>We will begin with very brief discussion of how animation works from a human cognition perspective</a:t>
-            </a:r>
-          </a:p>
-          <a:p>
-            <a:pPr marL="171450" indent="-171450">
-              <a:buFont typeface="Arial" charset="0"/>
-              <a:buChar char="•"/>
-            </a:pPr>
-            <a:endParaRPr lang="en-US" baseline="0" dirty="0" smtClean="0"/>
-          </a:p>
-          <a:p>
-            <a:pPr marL="171450" indent="-171450">
-              <a:buFont typeface="Arial" charset="0"/>
-              <a:buChar char="•"/>
-            </a:pPr>
-            <a:r>
-              <a:rPr lang="en-US" baseline="0" dirty="0" smtClean="0"/>
-              <a:t>Today we will consider the initial architecture of our animated sprite class</a:t>
-            </a:r>
-          </a:p>
-          <a:p>
-            <a:pPr marL="171450" indent="-171450">
-              <a:buFont typeface="Arial" charset="0"/>
-              <a:buChar char="•"/>
-            </a:pPr>
-            <a:endParaRPr lang="en-US" baseline="0" dirty="0" smtClean="0"/>
-          </a:p>
-          <a:p>
-            <a:pPr marL="171450" indent="-171450">
-              <a:buFont typeface="Arial" charset="0"/>
-              <a:buChar char="•"/>
-            </a:pPr>
-            <a:r>
-              <a:rPr lang="en-US" baseline="0" dirty="0" smtClean="0"/>
-              <a:t>Over the next couple of weeks, we will add additional features to this class</a:t>
-            </a:r>
             <a:endParaRPr lang="en-US" dirty="0" smtClean="0"/>
           </a:p>
         </p:txBody>
@@ -814,225 +721,6 @@
               <a:buFont typeface="Arial" charset="0"/>
               <a:buChar char="•"/>
             </a:pPr>
-            <a:r>
-              <a:rPr lang="en-US" sz="1200" kern="1200" dirty="0" smtClean="0">
-                <a:solidFill>
-                  <a:schemeClr val="tx1"/>
-                </a:solidFill>
-                <a:effectLst/>
-                <a:latin typeface="+mn-lt"/>
-                <a:ea typeface="+mn-ea"/>
-                <a:cs typeface="+mn-cs"/>
-              </a:rPr>
-              <a:t>If we drew each little square of blobbo onto the screen in rapid succession, it would look like a moving blobbo </a:t>
-            </a:r>
-            <a:r>
-              <a:rPr lang="mr-IN" sz="1200" kern="1200" dirty="0" smtClean="0">
-                <a:solidFill>
-                  <a:schemeClr val="tx1"/>
-                </a:solidFill>
-                <a:effectLst/>
-                <a:latin typeface="+mn-lt"/>
-                <a:ea typeface="+mn-ea"/>
-                <a:cs typeface="+mn-cs"/>
-              </a:rPr>
-              <a:t>–</a:t>
-            </a:r>
-            <a:r>
-              <a:rPr lang="en-US" sz="1200" kern="1200" dirty="0" smtClean="0">
-                <a:solidFill>
-                  <a:schemeClr val="tx1"/>
-                </a:solidFill>
-                <a:effectLst/>
-                <a:latin typeface="+mn-lt"/>
-                <a:ea typeface="+mn-ea"/>
-                <a:cs typeface="+mn-cs"/>
-              </a:rPr>
-              <a:t> twists</a:t>
-            </a:r>
-            <a:r>
-              <a:rPr lang="en-US" sz="1200" kern="1200" baseline="0" dirty="0" smtClean="0">
-                <a:solidFill>
-                  <a:schemeClr val="tx1"/>
-                </a:solidFill>
-                <a:effectLst/>
-                <a:latin typeface="+mn-lt"/>
-                <a:ea typeface="+mn-ea"/>
-                <a:cs typeface="+mn-cs"/>
-              </a:rPr>
-              <a:t> from side to side</a:t>
-            </a:r>
-          </a:p>
-          <a:p>
-            <a:pPr marL="171450" indent="-171450">
-              <a:buFont typeface="Arial" charset="0"/>
-              <a:buChar char="•"/>
-            </a:pPr>
-            <a:endParaRPr lang="en-US" sz="1200" kern="1200" baseline="0" dirty="0" smtClean="0">
-              <a:solidFill>
-                <a:schemeClr val="tx1"/>
-              </a:solidFill>
-              <a:effectLst/>
-              <a:latin typeface="+mn-lt"/>
-              <a:ea typeface="+mn-ea"/>
-              <a:cs typeface="+mn-cs"/>
-            </a:endParaRPr>
-          </a:p>
-          <a:p>
-            <a:pPr marL="171450" indent="-171450">
-              <a:buFont typeface="Arial" charset="0"/>
-              <a:buChar char="•"/>
-            </a:pPr>
-            <a:r>
-              <a:rPr lang="en-US" sz="1200" kern="1200" baseline="0" dirty="0" smtClean="0">
-                <a:solidFill>
-                  <a:schemeClr val="tx1"/>
-                </a:solidFill>
-                <a:effectLst/>
-                <a:latin typeface="+mn-lt"/>
-                <a:ea typeface="+mn-ea"/>
-                <a:cs typeface="+mn-cs"/>
-              </a:rPr>
-              <a:t>Sprite sheets usually have a background colour, for example, fuchsia</a:t>
-            </a:r>
-          </a:p>
-          <a:p>
-            <a:pPr marL="171450" indent="-171450">
-              <a:buFont typeface="Arial" charset="0"/>
-              <a:buChar char="•"/>
-            </a:pPr>
-            <a:endParaRPr lang="en-US" sz="1200" kern="1200" baseline="0" dirty="0" smtClean="0">
-              <a:solidFill>
-                <a:schemeClr val="tx1"/>
-              </a:solidFill>
-              <a:effectLst/>
-              <a:latin typeface="+mn-lt"/>
-              <a:ea typeface="+mn-ea"/>
-              <a:cs typeface="+mn-cs"/>
-            </a:endParaRPr>
-          </a:p>
-          <a:p>
-            <a:pPr marL="171450" indent="-171450">
-              <a:buFont typeface="Arial" charset="0"/>
-              <a:buChar char="•"/>
-            </a:pPr>
-            <a:r>
-              <a:rPr lang="en-US" sz="1200" kern="1200" baseline="0" dirty="0" smtClean="0">
-                <a:solidFill>
-                  <a:schemeClr val="tx1"/>
-                </a:solidFill>
-                <a:effectLst/>
-                <a:latin typeface="+mn-lt"/>
-                <a:ea typeface="+mn-ea"/>
-                <a:cs typeface="+mn-cs"/>
-              </a:rPr>
-              <a:t>The method is to tell your rendering class to draw all the pixels from the sprite sheet that aren’t the background colour</a:t>
-            </a:r>
-          </a:p>
-          <a:p>
-            <a:pPr marL="171450" indent="-171450">
-              <a:buFont typeface="Arial" charset="0"/>
-              <a:buChar char="•"/>
-            </a:pPr>
-            <a:endParaRPr lang="en-US" sz="1200" kern="1200" baseline="0" dirty="0" smtClean="0">
-              <a:solidFill>
-                <a:schemeClr val="tx1"/>
-              </a:solidFill>
-              <a:effectLst/>
-              <a:latin typeface="+mn-lt"/>
-              <a:ea typeface="+mn-ea"/>
-              <a:cs typeface="+mn-cs"/>
-            </a:endParaRPr>
-          </a:p>
-          <a:p>
-            <a:pPr marL="171450" indent="-171450">
-              <a:buFont typeface="Arial" charset="0"/>
-              <a:buChar char="•"/>
-            </a:pPr>
-            <a:r>
-              <a:rPr lang="en-US" sz="1200" kern="1200" baseline="0" dirty="0" smtClean="0">
-                <a:solidFill>
-                  <a:schemeClr val="tx1"/>
-                </a:solidFill>
-                <a:effectLst/>
-                <a:latin typeface="+mn-lt"/>
-                <a:ea typeface="+mn-ea"/>
-                <a:cs typeface="+mn-cs"/>
-              </a:rPr>
-              <a:t>You can work with a convenient rectangular shape, but only the sprite itself shows</a:t>
-            </a:r>
-          </a:p>
-          <a:p>
-            <a:pPr marL="171450" indent="-171450">
-              <a:buFont typeface="Arial" charset="0"/>
-              <a:buChar char="•"/>
-            </a:pPr>
-            <a:endParaRPr lang="en-US" sz="1200" kern="1200" baseline="0" dirty="0" smtClean="0">
-              <a:solidFill>
-                <a:schemeClr val="tx1"/>
-              </a:solidFill>
-              <a:effectLst/>
-              <a:latin typeface="+mn-lt"/>
-              <a:ea typeface="+mn-ea"/>
-              <a:cs typeface="+mn-cs"/>
-            </a:endParaRPr>
-          </a:p>
-          <a:p>
-            <a:pPr marL="171450" indent="-171450">
-              <a:buFont typeface="Arial" charset="0"/>
-              <a:buChar char="•"/>
-            </a:pPr>
-            <a:r>
-              <a:rPr lang="en-US" sz="1200" kern="1200" baseline="0" dirty="0" smtClean="0">
-                <a:solidFill>
-                  <a:schemeClr val="tx1"/>
-                </a:solidFill>
-                <a:effectLst/>
-                <a:latin typeface="+mn-lt"/>
-                <a:ea typeface="+mn-ea"/>
-                <a:cs typeface="+mn-cs"/>
-              </a:rPr>
-              <a:t>This is called making the background transparent, but more accurately, it is simply not drawing the background pixels at all</a:t>
-            </a:r>
-          </a:p>
-          <a:p>
-            <a:pPr marL="171450" indent="-171450">
-              <a:buFont typeface="Arial" charset="0"/>
-              <a:buChar char="•"/>
-            </a:pPr>
-            <a:endParaRPr lang="en-US" sz="1200" kern="1200" baseline="0" dirty="0" smtClean="0">
-              <a:solidFill>
-                <a:schemeClr val="tx1"/>
-              </a:solidFill>
-              <a:effectLst/>
-              <a:latin typeface="+mn-lt"/>
-              <a:ea typeface="+mn-ea"/>
-              <a:cs typeface="+mn-cs"/>
-            </a:endParaRPr>
-          </a:p>
-          <a:p>
-            <a:pPr marL="171450" indent="-171450">
-              <a:buFont typeface="Arial" charset="0"/>
-              <a:buChar char="•"/>
-            </a:pPr>
-            <a:r>
-              <a:rPr lang="en-US" sz="1200" kern="1200" baseline="0" dirty="0" smtClean="0">
-                <a:solidFill>
-                  <a:schemeClr val="tx1"/>
-                </a:solidFill>
-                <a:effectLst/>
-                <a:latin typeface="+mn-lt"/>
-                <a:ea typeface="+mn-ea"/>
-                <a:cs typeface="+mn-cs"/>
-              </a:rPr>
-              <a:t>We will use a .NET class to do this</a:t>
-            </a:r>
-          </a:p>
-          <a:p>
-            <a:pPr marL="171450" indent="-171450">
-              <a:buFont typeface="Arial" charset="0"/>
-              <a:buChar char="•"/>
-            </a:pPr>
             <a:endParaRPr lang="en-US" dirty="0" smtClean="0"/>
           </a:p>
         </p:txBody>
@@ -1134,47 +822,6 @@
               <a:tabLst/>
               <a:defRPr/>
             </a:pPr>
-            <a:r>
-              <a:rPr lang="en-US" dirty="0" smtClean="0"/>
-              <a:t>We declare an Image^,</a:t>
-            </a:r>
-            <a:r>
-              <a:rPr lang="en-US" baseline="0" dirty="0" smtClean="0"/>
-              <a:t> initialised it with the static FromFile method and display </a:t>
-            </a:r>
-            <a:r>
-              <a:rPr lang="en-US" sz="1200" kern="1200" dirty="0" smtClean="0">
-                <a:solidFill>
-                  <a:schemeClr val="tx1"/>
-                </a:solidFill>
-                <a:effectLst/>
-                <a:latin typeface="+mn-lt"/>
-                <a:ea typeface="+mn-ea"/>
-                <a:cs typeface="+mn-cs"/>
-              </a:rPr>
-              <a:t>it on the screen by handing it off to canvas-&gt;DrawImage</a:t>
-            </a:r>
-          </a:p>
-          <a:p>
-            <a:pPr marL="171450" indent="-171450">
-              <a:buFont typeface="Arial" charset="0"/>
-              <a:buChar char="•"/>
-            </a:pPr>
-            <a:endParaRPr lang="en-US" dirty="0" smtClean="0"/>
-          </a:p>
-          <a:p>
-            <a:pPr marL="171450" indent="-171450">
-              <a:buFont typeface="Arial" charset="0"/>
-              <a:buChar char="•"/>
-            </a:pPr>
-            <a:r>
-              <a:rPr lang="en-US" dirty="0" smtClean="0"/>
-              <a:t>We always used the whole image, and</a:t>
-            </a:r>
-            <a:r>
-              <a:rPr lang="en-US" baseline="0" dirty="0" smtClean="0"/>
-              <a:t> drew all of its pixels including the background (white area of our gnome image)</a:t>
-            </a:r>
             <a:endParaRPr lang="en-US" dirty="0" smtClean="0"/>
           </a:p>
         </p:txBody>
@@ -1263,24 +910,6 @@
               <a:buFont typeface="Arial" charset="0"/>
               <a:buChar char="•"/>
             </a:pPr>
-            <a:r>
-              <a:rPr lang="en-US" sz="1200" kern="1200" dirty="0" smtClean="0">
-                <a:solidFill>
-                  <a:schemeClr val="tx1"/>
-                </a:solidFill>
-                <a:effectLst/>
-                <a:latin typeface="+mn-lt"/>
-                <a:ea typeface="+mn-ea"/>
-                <a:cs typeface="+mn-cs"/>
-              </a:rPr>
-              <a:t>Blobbo sprite sheet contains many frames of animation</a:t>
-            </a:r>
-          </a:p>
-          <a:p>
-            <a:pPr marL="171450" indent="-171450">
-              <a:buFont typeface="Arial" charset="0"/>
-              <a:buChar char="•"/>
-            </a:pPr>
             <a:endParaRPr lang="en-US" sz="1200" kern="1200" dirty="0" smtClean="0">
               <a:solidFill>
                 <a:schemeClr val="tx1"/>
@@ -1290,295 +919,6 @@
               <a:ea typeface="+mn-ea"/>
               <a:cs typeface="+mn-cs"/>
             </a:endParaRPr>
-          </a:p>
-          <a:p>
-            <a:pPr marL="171450" indent="-171450">
-              <a:buFont typeface="Arial" charset="0"/>
-              <a:buChar char="•"/>
-            </a:pPr>
-            <a:r>
-              <a:rPr lang="en-US" sz="1200" kern="1200" dirty="0" smtClean="0">
-                <a:solidFill>
-                  <a:schemeClr val="tx1"/>
-                </a:solidFill>
-                <a:effectLst/>
-                <a:latin typeface="+mn-lt"/>
-                <a:ea typeface="+mn-ea"/>
-                <a:cs typeface="+mn-cs"/>
-              </a:rPr>
-              <a:t>We need</a:t>
-            </a:r>
-            <a:r>
-              <a:rPr lang="en-US" sz="1200" kern="1200" baseline="0" dirty="0" smtClean="0">
-                <a:solidFill>
-                  <a:schemeClr val="tx1"/>
-                </a:solidFill>
-                <a:effectLst/>
-                <a:latin typeface="+mn-lt"/>
-                <a:ea typeface="+mn-ea"/>
-                <a:cs typeface="+mn-cs"/>
-              </a:rPr>
-              <a:t> to draw a portion of the sprite sheet image at a time</a:t>
-            </a:r>
-          </a:p>
-          <a:p>
-            <a:pPr marL="171450" indent="-171450">
-              <a:buFont typeface="Arial" charset="0"/>
-              <a:buChar char="•"/>
-            </a:pPr>
-            <a:endParaRPr lang="en-US" sz="1200" kern="1200" baseline="0" dirty="0" smtClean="0">
-              <a:solidFill>
-                <a:schemeClr val="tx1"/>
-              </a:solidFill>
-              <a:effectLst/>
-              <a:latin typeface="+mn-lt"/>
-              <a:ea typeface="+mn-ea"/>
-              <a:cs typeface="+mn-cs"/>
-            </a:endParaRPr>
-          </a:p>
-          <a:p>
-            <a:pPr marL="171450" marR="0" indent="-171450" algn="l" defTabSz="914400" rtl="0" eaLnBrk="1" fontAlgn="auto" latinLnBrk="0" hangingPunct="1">
-              <a:lnSpc>
-                <a:spcPct val="100000"/>
-              </a:lnSpc>
-              <a:spcBef>
-                <a:spcPts val="0"/>
-              </a:spcBef>
-              <a:spcAft>
-                <a:spcPts val="0"/>
-              </a:spcAft>
-              <a:buClrTx/>
-              <a:buSzTx/>
-              <a:buFont typeface="Arial" charset="0"/>
-              <a:buChar char="•"/>
-              <a:tabLst/>
-              <a:defRPr/>
-            </a:pPr>
-            <a:r>
-              <a:rPr lang="en-US" sz="1200" kern="1200" dirty="0" smtClean="0">
-                <a:solidFill>
-                  <a:schemeClr val="tx1"/>
-                </a:solidFill>
-                <a:effectLst/>
-                <a:latin typeface="+mn-lt"/>
-                <a:ea typeface="+mn-ea"/>
-                <a:cs typeface="+mn-cs"/>
-              </a:rPr>
-              <a:t>Animation works by displaying the frames in turn, so we want to draw the first frame, then the second frame…</a:t>
-            </a:r>
-          </a:p>
-          <a:p>
-            <a:pPr marL="171450" marR="0" indent="-171450" algn="l" defTabSz="914400" rtl="0" eaLnBrk="1" fontAlgn="auto" latinLnBrk="0" hangingPunct="1">
-              <a:lnSpc>
-                <a:spcPct val="100000"/>
-              </a:lnSpc>
-              <a:spcBef>
-                <a:spcPts val="0"/>
-              </a:spcBef>
-              <a:spcAft>
-                <a:spcPts val="0"/>
-              </a:spcAft>
-              <a:buClrTx/>
-              <a:buSzTx/>
-              <a:buFont typeface="Arial" charset="0"/>
-              <a:buChar char="•"/>
-              <a:tabLst/>
-              <a:defRPr/>
-            </a:pPr>
-            <a:endParaRPr lang="en-US" sz="1200" kern="1200" dirty="0" smtClean="0">
-              <a:solidFill>
-                <a:schemeClr val="tx1"/>
-              </a:solidFill>
-              <a:effectLst/>
-              <a:latin typeface="+mn-lt"/>
-              <a:ea typeface="+mn-ea"/>
-              <a:cs typeface="+mn-cs"/>
-            </a:endParaRPr>
-          </a:p>
-          <a:p>
-            <a:pPr marL="171450" marR="0" indent="-171450" algn="l" defTabSz="914400" rtl="0" eaLnBrk="1" fontAlgn="auto" latinLnBrk="0" hangingPunct="1">
-              <a:lnSpc>
-                <a:spcPct val="100000"/>
-              </a:lnSpc>
-              <a:spcBef>
-                <a:spcPts val="0"/>
-              </a:spcBef>
-              <a:spcAft>
-                <a:spcPts val="0"/>
-              </a:spcAft>
-              <a:buClrTx/>
-              <a:buSzTx/>
-              <a:buFont typeface="Arial" charset="0"/>
-              <a:buChar char="•"/>
-              <a:tabLst/>
-              <a:defRPr/>
-            </a:pPr>
-            <a:r>
-              <a:rPr lang="en-US" sz="1200" kern="1200" dirty="0" smtClean="0">
-                <a:solidFill>
-                  <a:schemeClr val="tx1"/>
-                </a:solidFill>
-                <a:effectLst/>
-                <a:latin typeface="+mn-lt"/>
-                <a:ea typeface="+mn-ea"/>
-                <a:cs typeface="+mn-cs"/>
-              </a:rPr>
-              <a:t>Here</a:t>
-            </a:r>
-            <a:r>
-              <a:rPr lang="en-US" sz="1200" kern="1200" baseline="0" dirty="0" smtClean="0">
-                <a:solidFill>
-                  <a:schemeClr val="tx1"/>
-                </a:solidFill>
-                <a:effectLst/>
-                <a:latin typeface="+mn-lt"/>
-                <a:ea typeface="+mn-ea"/>
-                <a:cs typeface="+mn-cs"/>
-              </a:rPr>
-              <a:t> you see blobbo appearing without it’s fuchsia background </a:t>
-            </a:r>
-            <a:r>
-              <a:rPr lang="mr-IN" sz="1200" kern="1200" baseline="0" dirty="0" smtClean="0">
-                <a:solidFill>
-                  <a:schemeClr val="tx1"/>
-                </a:solidFill>
-                <a:effectLst/>
-                <a:latin typeface="+mn-lt"/>
-                <a:ea typeface="+mn-ea"/>
-                <a:cs typeface="+mn-cs"/>
-              </a:rPr>
-              <a:t>–</a:t>
-            </a:r>
-            <a:r>
-              <a:rPr lang="en-US" sz="1200" kern="1200" baseline="0" dirty="0" smtClean="0">
-                <a:solidFill>
-                  <a:schemeClr val="tx1"/>
-                </a:solidFill>
-                <a:effectLst/>
-                <a:latin typeface="+mn-lt"/>
-                <a:ea typeface="+mn-ea"/>
-                <a:cs typeface="+mn-cs"/>
-              </a:rPr>
-              <a:t> we will discuss in a minute</a:t>
-            </a:r>
-          </a:p>
-          <a:p>
-            <a:pPr marL="171450" marR="0" indent="-171450" algn="l" defTabSz="914400" rtl="0" eaLnBrk="1" fontAlgn="auto" latinLnBrk="0" hangingPunct="1">
-              <a:lnSpc>
-                <a:spcPct val="100000"/>
-              </a:lnSpc>
-              <a:spcBef>
-                <a:spcPts val="0"/>
-              </a:spcBef>
-              <a:spcAft>
-                <a:spcPts val="0"/>
-              </a:spcAft>
-              <a:buClrTx/>
-              <a:buSzTx/>
-              <a:buFont typeface="Arial" charset="0"/>
-              <a:buChar char="•"/>
-              <a:tabLst/>
-              <a:defRPr/>
-            </a:pPr>
-            <a:endParaRPr lang="en-US" sz="1200" kern="1200" baseline="0" dirty="0" smtClean="0">
-              <a:solidFill>
-                <a:schemeClr val="tx1"/>
-              </a:solidFill>
-              <a:effectLst/>
-              <a:latin typeface="+mn-lt"/>
-              <a:ea typeface="+mn-ea"/>
-              <a:cs typeface="+mn-cs"/>
-            </a:endParaRPr>
-          </a:p>
-          <a:p>
-            <a:pPr marL="171450" marR="0" indent="-171450" algn="l" defTabSz="914400" rtl="0" eaLnBrk="1" fontAlgn="auto" latinLnBrk="0" hangingPunct="1">
-              <a:lnSpc>
-                <a:spcPct val="100000"/>
-              </a:lnSpc>
-              <a:spcBef>
-                <a:spcPts val="0"/>
-              </a:spcBef>
-              <a:spcAft>
-                <a:spcPts val="0"/>
-              </a:spcAft>
-              <a:buClrTx/>
-              <a:buSzTx/>
-              <a:buFont typeface="Arial" charset="0"/>
-              <a:buChar char="•"/>
-              <a:tabLst/>
-              <a:defRPr/>
-            </a:pPr>
-            <a:r>
-              <a:rPr lang="en-US" sz="1200" kern="1200" dirty="0" smtClean="0">
-                <a:solidFill>
-                  <a:schemeClr val="tx1"/>
-                </a:solidFill>
-                <a:effectLst/>
-                <a:latin typeface="+mn-lt"/>
-                <a:ea typeface="+mn-ea"/>
-                <a:cs typeface="+mn-cs"/>
-              </a:rPr>
-              <a:t>Each blobbo has the whole sprite sheet with its 8 frames</a:t>
-            </a:r>
-          </a:p>
-          <a:p>
-            <a:pPr marL="171450" marR="0" indent="-171450" algn="l" defTabSz="914400" rtl="0" eaLnBrk="1" fontAlgn="auto" latinLnBrk="0" hangingPunct="1">
-              <a:lnSpc>
-                <a:spcPct val="100000"/>
-              </a:lnSpc>
-              <a:spcBef>
-                <a:spcPts val="0"/>
-              </a:spcBef>
-              <a:spcAft>
-                <a:spcPts val="0"/>
-              </a:spcAft>
-              <a:buClrTx/>
-              <a:buSzTx/>
-              <a:buFont typeface="Arial" charset="0"/>
-              <a:buChar char="•"/>
-              <a:tabLst/>
-              <a:defRPr/>
-            </a:pPr>
-            <a:endParaRPr lang="en-US" sz="1200" kern="1200" dirty="0" smtClean="0">
-              <a:solidFill>
-                <a:schemeClr val="tx1"/>
-              </a:solidFill>
-              <a:effectLst/>
-              <a:latin typeface="+mn-lt"/>
-              <a:ea typeface="+mn-ea"/>
-              <a:cs typeface="+mn-cs"/>
-            </a:endParaRPr>
-          </a:p>
-          <a:p>
-            <a:pPr marL="171450" marR="0" indent="-171450" algn="l" defTabSz="914400" rtl="0" eaLnBrk="1" fontAlgn="auto" latinLnBrk="0" hangingPunct="1">
-              <a:lnSpc>
-                <a:spcPct val="100000"/>
-              </a:lnSpc>
-              <a:spcBef>
-                <a:spcPts val="0"/>
-              </a:spcBef>
-              <a:spcAft>
-                <a:spcPts val="0"/>
-              </a:spcAft>
-              <a:buClrTx/>
-              <a:buSzTx/>
-              <a:buFont typeface="Arial" charset="0"/>
-              <a:buChar char="•"/>
-              <a:tabLst/>
-              <a:defRPr/>
-            </a:pPr>
-            <a:r>
-              <a:rPr lang="en-US" sz="1200" kern="1200" dirty="0" smtClean="0">
-                <a:solidFill>
-                  <a:schemeClr val="tx1"/>
-                </a:solidFill>
-                <a:effectLst/>
-                <a:latin typeface="+mn-lt"/>
-                <a:ea typeface="+mn-ea"/>
-                <a:cs typeface="+mn-cs"/>
-              </a:rPr>
-              <a:t>Note how each of them is showing only a single frame-sized square from the whole sprite sheet</a:t>
-            </a:r>
           </a:p>
         </p:txBody>
       </p:sp>
@@ -1666,113 +1006,6 @@
               <a:buFont typeface="Arial" charset="0"/>
               <a:buChar char="•"/>
             </a:pPr>
-            <a:r>
-              <a:rPr lang="en-US" sz="1200" b="0" kern="1200" dirty="0" smtClean="0">
-                <a:solidFill>
-                  <a:schemeClr val="tx1"/>
-                </a:solidFill>
-                <a:effectLst/>
-                <a:latin typeface="+mn-lt"/>
-                <a:ea typeface="+mn-ea"/>
-                <a:cs typeface="+mn-cs"/>
-              </a:rPr>
-              <a:t>Rectangle rectangle = Rectangle(</a:t>
-            </a:r>
-            <a:r>
-              <a:rPr lang="en-US" sz="1200" b="0" kern="1200" dirty="0" err="1" smtClean="0">
-                <a:solidFill>
-                  <a:schemeClr val="tx1"/>
-                </a:solidFill>
-                <a:effectLst/>
-                <a:latin typeface="+mn-lt"/>
-                <a:ea typeface="+mn-ea"/>
-                <a:cs typeface="+mn-cs"/>
-              </a:rPr>
-              <a:t>currentFrame</a:t>
-            </a:r>
-            <a:r>
-              <a:rPr lang="en-US" sz="1200" b="0" kern="1200" dirty="0" smtClean="0">
-                <a:solidFill>
-                  <a:schemeClr val="tx1"/>
-                </a:solidFill>
-                <a:effectLst/>
-                <a:latin typeface="+mn-lt"/>
-                <a:ea typeface="+mn-ea"/>
-                <a:cs typeface="+mn-cs"/>
-              </a:rPr>
-              <a:t> * frameWidth, 0, frameWidth, frameHeight);</a:t>
-            </a:r>
-          </a:p>
-          <a:p>
-            <a:pPr marL="171450" marR="0" indent="-171450" algn="l" defTabSz="914400" rtl="0" eaLnBrk="1" fontAlgn="auto" latinLnBrk="0" hangingPunct="1">
-              <a:lnSpc>
-                <a:spcPct val="100000"/>
-              </a:lnSpc>
-              <a:spcBef>
-                <a:spcPts val="0"/>
-              </a:spcBef>
-              <a:spcAft>
-                <a:spcPts val="0"/>
-              </a:spcAft>
-              <a:buClrTx/>
-              <a:buSzTx/>
-              <a:buFont typeface="Arial" charset="0"/>
-              <a:buChar char="•"/>
-              <a:tabLst/>
-              <a:defRPr/>
-            </a:pPr>
-            <a:endParaRPr lang="en-US" sz="1200" b="0" kern="1200" dirty="0" smtClean="0">
-              <a:solidFill>
-                <a:schemeClr val="tx1"/>
-              </a:solidFill>
-              <a:effectLst/>
-              <a:latin typeface="+mn-lt"/>
-              <a:ea typeface="+mn-ea"/>
-              <a:cs typeface="+mn-cs"/>
-            </a:endParaRPr>
-          </a:p>
-          <a:p>
-            <a:pPr marL="171450" marR="0" indent="-171450" algn="l" defTabSz="914400" rtl="0" eaLnBrk="1" fontAlgn="auto" latinLnBrk="0" hangingPunct="1">
-              <a:lnSpc>
-                <a:spcPct val="100000"/>
-              </a:lnSpc>
-              <a:spcBef>
-                <a:spcPts val="0"/>
-              </a:spcBef>
-              <a:spcAft>
-                <a:spcPts val="0"/>
-              </a:spcAft>
-              <a:buClrTx/>
-              <a:buSzTx/>
-              <a:buFont typeface="Arial" charset="0"/>
-              <a:buChar char="•"/>
-              <a:tabLst/>
-              <a:defRPr/>
-            </a:pPr>
-            <a:r>
-              <a:rPr lang="en-US" sz="1200" b="0" kern="1200" dirty="0" smtClean="0">
-                <a:solidFill>
-                  <a:schemeClr val="tx1"/>
-                </a:solidFill>
-                <a:effectLst/>
-                <a:latin typeface="+mn-lt"/>
-                <a:ea typeface="+mn-ea"/>
-                <a:cs typeface="+mn-cs"/>
-              </a:rPr>
-              <a:t>Frame width </a:t>
-            </a:r>
-            <a:r>
-              <a:rPr lang="en-US" sz="1200" b="0" kern="1200" baseline="0" dirty="0" smtClean="0">
-                <a:solidFill>
-                  <a:schemeClr val="tx1"/>
-                </a:solidFill>
-                <a:effectLst/>
-                <a:latin typeface="+mn-lt"/>
-                <a:ea typeface="+mn-ea"/>
-                <a:cs typeface="+mn-cs"/>
-              </a:rPr>
-              <a:t>is calculated by taking the width of the sprite sheet and dividing by the number of frames</a:t>
-            </a:r>
             <a:endParaRPr lang="en-US" sz="1200" b="0" kern="1200" dirty="0" smtClean="0">
               <a:solidFill>
                 <a:schemeClr val="tx1"/>
@@ -1869,90 +1102,6 @@
               <a:buFont typeface="Arial" charset="0"/>
               <a:buChar char="•"/>
             </a:pPr>
-            <a:r>
-              <a:rPr lang="en-US" sz="1200" kern="1200" dirty="0" smtClean="0">
-                <a:solidFill>
-                  <a:schemeClr val="tx1"/>
-                </a:solidFill>
-                <a:effectLst/>
-                <a:latin typeface="+mn-lt"/>
-                <a:ea typeface="+mn-ea"/>
-                <a:cs typeface="+mn-cs"/>
-              </a:rPr>
-              <a:t>Let’s see if we can draw just a portion of this very big image (it’s 1024 pixels wide)</a:t>
-            </a:r>
-          </a:p>
-          <a:p>
-            <a:pPr marL="171450" indent="-171450">
-              <a:buFont typeface="Arial" charset="0"/>
-              <a:buChar char="•"/>
-            </a:pPr>
-            <a:endParaRPr lang="en-US" sz="1200" kern="1200" dirty="0" smtClean="0">
-              <a:solidFill>
-                <a:schemeClr val="tx1"/>
-              </a:solidFill>
-              <a:effectLst/>
-              <a:latin typeface="+mn-lt"/>
-              <a:ea typeface="+mn-ea"/>
-              <a:cs typeface="+mn-cs"/>
-            </a:endParaRPr>
-          </a:p>
-          <a:p>
-            <a:pPr marL="171450" indent="-171450">
-              <a:buFont typeface="Arial" charset="0"/>
-              <a:buChar char="•"/>
-            </a:pPr>
-            <a:r>
-              <a:rPr lang="en-US" sz="1200" kern="1200" dirty="0" smtClean="0">
-                <a:solidFill>
-                  <a:schemeClr val="tx1"/>
-                </a:solidFill>
-                <a:effectLst/>
-                <a:latin typeface="+mn-lt"/>
-                <a:ea typeface="+mn-ea"/>
-                <a:cs typeface="+mn-cs"/>
-              </a:rPr>
-              <a:t>Say starting at 1000, 400 of the image and being 200 wide and 200 high</a:t>
-            </a:r>
-          </a:p>
-          <a:p>
-            <a:pPr marL="171450" indent="-171450">
-              <a:buFont typeface="Arial" charset="0"/>
-              <a:buChar char="•"/>
-            </a:pPr>
-            <a:endParaRPr lang="en-US" sz="1200" kern="1200" dirty="0" smtClean="0">
-              <a:solidFill>
-                <a:schemeClr val="tx1"/>
-              </a:solidFill>
-              <a:effectLst/>
-              <a:latin typeface="+mn-lt"/>
-              <a:ea typeface="+mn-ea"/>
-              <a:cs typeface="+mn-cs"/>
-            </a:endParaRPr>
-          </a:p>
-          <a:p>
-            <a:pPr marL="171450" indent="-171450">
-              <a:buFont typeface="Arial" charset="0"/>
-              <a:buChar char="•"/>
-            </a:pPr>
-            <a:r>
-              <a:rPr lang="en-US" sz="1200" kern="1200" dirty="0" smtClean="0">
-                <a:solidFill>
-                  <a:schemeClr val="tx1"/>
-                </a:solidFill>
-                <a:effectLst/>
-                <a:latin typeface="+mn-lt"/>
-                <a:ea typeface="+mn-ea"/>
-                <a:cs typeface="+mn-cs"/>
-              </a:rPr>
-              <a:t>We will draw that piece of the gecko onto the Form</a:t>
-            </a:r>
-          </a:p>
-          <a:p>
-            <a:pPr marL="171450" indent="-171450">
-              <a:buFont typeface="Arial" charset="0"/>
-              <a:buChar char="•"/>
-            </a:pPr>
             <a:endParaRPr lang="en-US" sz="1200" b="0" kern="1200" dirty="0" smtClean="0">
               <a:solidFill>
                 <a:schemeClr val="tx1"/>
@@ -2158,167 +1307,6 @@
               <a:tabLst/>
               <a:defRPr/>
             </a:pPr>
-            <a:r>
-              <a:rPr lang="en-US" dirty="0" smtClean="0"/>
-              <a:t>For</a:t>
-            </a:r>
-            <a:r>
-              <a:rPr lang="en-US" baseline="0" dirty="0" smtClean="0"/>
-              <a:t> example, blobbo is 32 x 32 pixels </a:t>
-            </a:r>
-            <a:r>
-              <a:rPr lang="mr-IN" baseline="0" dirty="0" smtClean="0"/>
-              <a:t>–</a:t>
-            </a:r>
-            <a:r>
-              <a:rPr lang="en-US" baseline="0" dirty="0" smtClean="0"/>
-              <a:t> frames are often square, but don’t have to be</a:t>
-            </a:r>
-          </a:p>
-          <a:p>
-            <a:pPr marL="171450" marR="0" indent="-171450" algn="l" defTabSz="914400" rtl="0" eaLnBrk="1" fontAlgn="auto" latinLnBrk="0" hangingPunct="1">
-              <a:lnSpc>
-                <a:spcPct val="100000"/>
-              </a:lnSpc>
-              <a:spcBef>
-                <a:spcPts val="0"/>
-              </a:spcBef>
-              <a:spcAft>
-                <a:spcPts val="0"/>
-              </a:spcAft>
-              <a:buClrTx/>
-              <a:buSzTx/>
-              <a:buFont typeface="Arial" charset="0"/>
-              <a:buChar char="•"/>
-              <a:tabLst/>
-              <a:defRPr/>
-            </a:pPr>
-            <a:endParaRPr lang="en-US" baseline="0" dirty="0" smtClean="0"/>
-          </a:p>
-          <a:p>
-            <a:pPr marL="171450" marR="0" indent="-171450" algn="l" defTabSz="914400" rtl="0" eaLnBrk="1" fontAlgn="auto" latinLnBrk="0" hangingPunct="1">
-              <a:lnSpc>
-                <a:spcPct val="100000"/>
-              </a:lnSpc>
-              <a:spcBef>
-                <a:spcPts val="0"/>
-              </a:spcBef>
-              <a:spcAft>
-                <a:spcPts val="0"/>
-              </a:spcAft>
-              <a:buClrTx/>
-              <a:buSzTx/>
-              <a:buFont typeface="Arial" charset="0"/>
-              <a:buChar char="•"/>
-              <a:tabLst/>
-              <a:defRPr/>
-            </a:pPr>
-            <a:r>
-              <a:rPr lang="en-US" sz="1200" kern="1200" dirty="0" smtClean="0">
-                <a:solidFill>
-                  <a:schemeClr val="tx1"/>
-                </a:solidFill>
-                <a:effectLst/>
-                <a:latin typeface="+mn-lt"/>
-                <a:ea typeface="+mn-ea"/>
-                <a:cs typeface="+mn-cs"/>
-              </a:rPr>
-              <a:t>For reasons that will become clear, we think of the frames as being numbered from 0 to n-1, like the locations in an array</a:t>
-            </a:r>
-          </a:p>
-          <a:p>
-            <a:pPr marL="171450" marR="0" indent="-171450" algn="l" defTabSz="914400" rtl="0" eaLnBrk="1" fontAlgn="auto" latinLnBrk="0" hangingPunct="1">
-              <a:lnSpc>
-                <a:spcPct val="100000"/>
-              </a:lnSpc>
-              <a:spcBef>
-                <a:spcPts val="0"/>
-              </a:spcBef>
-              <a:spcAft>
-                <a:spcPts val="0"/>
-              </a:spcAft>
-              <a:buClrTx/>
-              <a:buSzTx/>
-              <a:buFont typeface="Arial" charset="0"/>
-              <a:buChar char="•"/>
-              <a:tabLst/>
-              <a:defRPr/>
-            </a:pPr>
-            <a:endParaRPr lang="en-US" dirty="0" smtClean="0"/>
-          </a:p>
-          <a:p>
-            <a:pPr marL="171450" marR="0" indent="-171450" algn="l" defTabSz="914400" rtl="0" eaLnBrk="1" fontAlgn="auto" latinLnBrk="0" hangingPunct="1">
-              <a:lnSpc>
-                <a:spcPct val="100000"/>
-              </a:lnSpc>
-              <a:spcBef>
-                <a:spcPts val="0"/>
-              </a:spcBef>
-              <a:spcAft>
-                <a:spcPts val="0"/>
-              </a:spcAft>
-              <a:buClrTx/>
-              <a:buSzTx/>
-              <a:buFont typeface="Arial" charset="0"/>
-              <a:buChar char="•"/>
-              <a:tabLst/>
-              <a:defRPr/>
-            </a:pPr>
-            <a:r>
-              <a:rPr lang="en-US" sz="1200" kern="1200" dirty="0" smtClean="0">
-                <a:solidFill>
-                  <a:schemeClr val="tx1"/>
-                </a:solidFill>
-                <a:effectLst/>
-                <a:latin typeface="+mn-lt"/>
-                <a:ea typeface="+mn-ea"/>
-                <a:cs typeface="+mn-cs"/>
-              </a:rPr>
-              <a:t>What are the pixel rectangles, </a:t>
-            </a:r>
-            <a:r>
-              <a:rPr lang="en-US" sz="1200" b="1" i="1" kern="1200" dirty="0" smtClean="0">
-                <a:solidFill>
-                  <a:schemeClr val="tx1"/>
-                </a:solidFill>
-                <a:effectLst/>
-                <a:latin typeface="+mn-lt"/>
-                <a:ea typeface="+mn-ea"/>
-                <a:cs typeface="+mn-cs"/>
-              </a:rPr>
-              <a:t>in the coordinate space of the sprite sheet</a:t>
-            </a:r>
-            <a:r>
-              <a:rPr lang="en-US" sz="1200" kern="1200" dirty="0" smtClean="0">
-                <a:solidFill>
-                  <a:schemeClr val="tx1"/>
-                </a:solidFill>
-                <a:effectLst/>
-                <a:latin typeface="+mn-lt"/>
-                <a:ea typeface="+mn-ea"/>
-                <a:cs typeface="+mn-cs"/>
-              </a:rPr>
-              <a:t> that we want to display?</a:t>
-            </a:r>
-          </a:p>
-          <a:p>
-            <a:pPr marL="171450" marR="0" indent="-171450" algn="l" defTabSz="914400" rtl="0" eaLnBrk="1" fontAlgn="auto" latinLnBrk="0" hangingPunct="1">
-              <a:lnSpc>
-                <a:spcPct val="100000"/>
-              </a:lnSpc>
-              <a:spcBef>
-                <a:spcPts val="0"/>
-              </a:spcBef>
-              <a:spcAft>
-                <a:spcPts val="0"/>
-              </a:spcAft>
-              <a:buClrTx/>
-              <a:buSzTx/>
-              <a:buFont typeface="Arial" charset="0"/>
-              <a:buChar char="•"/>
-              <a:tabLst/>
-              <a:defRPr/>
-            </a:pPr>
             <a:endParaRPr lang="en-US" dirty="0" smtClean="0"/>
           </a:p>
         </p:txBody>
@@ -2403,157 +1391,6 @@
           <a:bodyPr/>
           <a:lstStyle/>
           <a:p>
-            <a:pPr marL="171450" indent="-171450">
-              <a:buFont typeface="Arial" charset="0"/>
-              <a:buChar char="•"/>
-            </a:pPr>
-            <a:r>
-              <a:rPr lang="en-US" sz="1200" kern="1200" dirty="0" smtClean="0">
-                <a:solidFill>
-                  <a:schemeClr val="tx1"/>
-                </a:solidFill>
-                <a:effectLst/>
-                <a:latin typeface="+mn-lt"/>
-                <a:ea typeface="+mn-ea"/>
-                <a:cs typeface="+mn-cs"/>
-              </a:rPr>
-              <a:t>We draw each frame at 100, 100 on the form. But the pixels we are taking from the image are changing</a:t>
-            </a:r>
-          </a:p>
-          <a:p>
-            <a:pPr marL="171450" marR="0" indent="-171450" algn="l" defTabSz="914400" rtl="0" eaLnBrk="1" fontAlgn="auto" latinLnBrk="0" hangingPunct="1">
-              <a:lnSpc>
-                <a:spcPct val="100000"/>
-              </a:lnSpc>
-              <a:spcBef>
-                <a:spcPts val="0"/>
-              </a:spcBef>
-              <a:spcAft>
-                <a:spcPts val="0"/>
-              </a:spcAft>
-              <a:buClrTx/>
-              <a:buSzTx/>
-              <a:buFont typeface="Arial" charset="0"/>
-              <a:buChar char="•"/>
-              <a:tabLst/>
-              <a:defRPr/>
-            </a:pPr>
-            <a:endParaRPr lang="en-US" dirty="0" smtClean="0"/>
-          </a:p>
-          <a:p>
-            <a:pPr marL="171450" indent="-171450">
-              <a:buFont typeface="Arial" charset="0"/>
-              <a:buChar char="•"/>
-            </a:pPr>
-            <a:r>
-              <a:rPr lang="en-US" sz="1200" kern="1200" dirty="0" smtClean="0">
-                <a:solidFill>
-                  <a:schemeClr val="tx1"/>
-                </a:solidFill>
-                <a:effectLst/>
-                <a:latin typeface="+mn-lt"/>
-                <a:ea typeface="+mn-ea"/>
-                <a:cs typeface="+mn-cs"/>
-              </a:rPr>
-              <a:t>Now what if we want to add this behaviour to a Sprite class. We want our Sprite class to be able to draw itself</a:t>
-            </a:r>
-          </a:p>
-          <a:p>
-            <a:endParaRPr lang="en-US" sz="1200" kern="1200" dirty="0" smtClean="0">
-              <a:solidFill>
-                <a:schemeClr val="tx1"/>
-              </a:solidFill>
-              <a:effectLst/>
-              <a:latin typeface="+mn-lt"/>
-              <a:ea typeface="+mn-ea"/>
-              <a:cs typeface="+mn-cs"/>
-            </a:endParaRPr>
-          </a:p>
-          <a:p>
-            <a:pPr marL="171450" indent="-171450">
-              <a:buFont typeface="Arial" charset="0"/>
-              <a:buChar char="•"/>
-            </a:pPr>
-            <a:r>
-              <a:rPr lang="en-US" sz="1200" kern="1200" dirty="0" smtClean="0">
-                <a:solidFill>
-                  <a:schemeClr val="tx1"/>
-                </a:solidFill>
-                <a:effectLst/>
-                <a:latin typeface="+mn-lt"/>
-                <a:ea typeface="+mn-ea"/>
-                <a:cs typeface="+mn-cs"/>
-              </a:rPr>
-              <a:t>Each time we call its draw method, we want to see the next frame</a:t>
-            </a:r>
-          </a:p>
-          <a:p>
-            <a:pPr marL="171450" indent="-171450">
-              <a:buFont typeface="Arial" charset="0"/>
-              <a:buChar char="•"/>
-            </a:pPr>
-            <a:endParaRPr lang="en-US" sz="1200" kern="1200" dirty="0" smtClean="0">
-              <a:solidFill>
-                <a:schemeClr val="tx1"/>
-              </a:solidFill>
-              <a:effectLst/>
-              <a:latin typeface="+mn-lt"/>
-              <a:ea typeface="+mn-ea"/>
-              <a:cs typeface="+mn-cs"/>
-            </a:endParaRPr>
-          </a:p>
-          <a:p>
-            <a:pPr marL="171450" indent="-171450">
-              <a:buFont typeface="Arial" charset="0"/>
-              <a:buChar char="•"/>
-            </a:pPr>
-            <a:r>
-              <a:rPr lang="en-US" sz="1200" kern="1200" dirty="0" smtClean="0">
-                <a:solidFill>
-                  <a:schemeClr val="tx1"/>
-                </a:solidFill>
-                <a:effectLst/>
-                <a:latin typeface="+mn-lt"/>
-                <a:ea typeface="+mn-ea"/>
-                <a:cs typeface="+mn-cs"/>
-              </a:rPr>
-              <a:t>We call the draw once at each game cycle</a:t>
-            </a:r>
-          </a:p>
-          <a:p>
-            <a:pPr marL="171450" indent="-171450">
-              <a:buFont typeface="Arial" charset="0"/>
-              <a:buChar char="•"/>
-            </a:pPr>
-            <a:endParaRPr lang="en-US" sz="1200" kern="1200" dirty="0" smtClean="0">
-              <a:solidFill>
-                <a:schemeClr val="tx1"/>
-              </a:solidFill>
-              <a:effectLst/>
-              <a:latin typeface="+mn-lt"/>
-              <a:ea typeface="+mn-ea"/>
-              <a:cs typeface="+mn-cs"/>
-            </a:endParaRPr>
-          </a:p>
-          <a:p>
-            <a:pPr marL="171450" indent="-171450">
-              <a:buFont typeface="Arial" charset="0"/>
-              <a:buChar char="•"/>
-            </a:pPr>
-            <a:r>
-              <a:rPr lang="en-US" sz="1200" kern="1200" dirty="0" smtClean="0">
-                <a:solidFill>
-                  <a:schemeClr val="tx1"/>
-                </a:solidFill>
-                <a:effectLst/>
-                <a:latin typeface="+mn-lt"/>
-                <a:ea typeface="+mn-ea"/>
-                <a:cs typeface="+mn-cs"/>
-              </a:rPr>
-              <a:t>So no for loop, and no for loop driver. We need to find a different way to keep track of which frame we are on</a:t>
-            </a:r>
-          </a:p>
-          <a:p>
             <a:pPr marL="171450" marR="0" indent="-171450" algn="l" defTabSz="914400" rtl="0" eaLnBrk="1" fontAlgn="auto" latinLnBrk="0" hangingPunct="1">
               <a:lnSpc>
                 <a:spcPct val="100000"/>
@@ -3050,102 +1887,6 @@
               <a:buFont typeface="Arial" charset="0"/>
               <a:buChar char="•"/>
             </a:pPr>
-            <a:r>
-              <a:rPr lang="en-US" dirty="0" smtClean="0"/>
-              <a:t>2D</a:t>
-            </a:r>
-            <a:r>
-              <a:rPr lang="en-US" baseline="0" dirty="0" smtClean="0"/>
-              <a:t> and 3D are completely different things</a:t>
-            </a:r>
-          </a:p>
-          <a:p>
-            <a:pPr marL="171450" indent="-171450">
-              <a:buFont typeface="Arial" charset="0"/>
-              <a:buChar char="•"/>
-            </a:pPr>
-            <a:endParaRPr lang="en-US" dirty="0" smtClean="0"/>
-          </a:p>
-          <a:p>
-            <a:pPr marL="171450" indent="-171450">
-              <a:buFont typeface="Arial" charset="0"/>
-              <a:buChar char="•"/>
-            </a:pPr>
-            <a:r>
-              <a:rPr lang="en-US" dirty="0" smtClean="0"/>
-              <a:t>N, E, S,</a:t>
-            </a:r>
-            <a:r>
-              <a:rPr lang="en-US" baseline="0" dirty="0" smtClean="0"/>
-              <a:t> W </a:t>
-            </a:r>
-            <a:r>
-              <a:rPr lang="mr-IN" baseline="0" dirty="0" smtClean="0"/>
-              <a:t>–</a:t>
-            </a:r>
-            <a:r>
-              <a:rPr lang="en-US" baseline="0" dirty="0" smtClean="0"/>
-              <a:t> cardinal</a:t>
-            </a:r>
-          </a:p>
-          <a:p>
-            <a:pPr marL="171450" indent="-171450">
-              <a:buFont typeface="Arial" charset="0"/>
-              <a:buChar char="•"/>
-            </a:pPr>
-            <a:endParaRPr lang="en-US" baseline="0" dirty="0" smtClean="0"/>
-          </a:p>
-          <a:p>
-            <a:pPr marL="171450" indent="-171450">
-              <a:buFont typeface="Arial" charset="0"/>
-              <a:buChar char="•"/>
-            </a:pPr>
-            <a:r>
-              <a:rPr lang="en-US" baseline="0" dirty="0" smtClean="0"/>
-              <a:t>N, NE, E, SE, S, SW, W, NW </a:t>
-            </a:r>
-            <a:r>
-              <a:rPr lang="mr-IN" baseline="0" dirty="0" smtClean="0"/>
-              <a:t>–</a:t>
-            </a:r>
-            <a:r>
-              <a:rPr lang="en-US" baseline="0" dirty="0" smtClean="0"/>
-              <a:t> ordinal </a:t>
-            </a:r>
-          </a:p>
-          <a:p>
-            <a:pPr marL="171450" indent="-171450">
-              <a:buFont typeface="Arial" charset="0"/>
-              <a:buChar char="•"/>
-            </a:pPr>
-            <a:endParaRPr lang="en-US" baseline="0" dirty="0" smtClean="0"/>
-          </a:p>
-          <a:p>
-            <a:pPr marL="171450" indent="-171450">
-              <a:buFont typeface="Arial" charset="0"/>
-              <a:buChar char="•"/>
-            </a:pPr>
-            <a:r>
-              <a:rPr lang="en-US" baseline="0" dirty="0" smtClean="0"/>
-              <a:t>We will be using bitmaps going forward</a:t>
-            </a:r>
-          </a:p>
-          <a:p>
-            <a:pPr marL="171450" indent="-171450">
-              <a:buFont typeface="Arial" charset="0"/>
-              <a:buChar char="•"/>
-            </a:pPr>
-            <a:endParaRPr lang="en-US" baseline="0" dirty="0" smtClean="0"/>
-          </a:p>
-          <a:p>
-            <a:pPr marL="171450" indent="-171450">
-              <a:buFont typeface="Arial" charset="0"/>
-              <a:buChar char="•"/>
-            </a:pPr>
-            <a:r>
-              <a:rPr lang="en-US" baseline="0" dirty="0" smtClean="0"/>
-              <a:t>You can create your own graphics using Adobe Photoshop</a:t>
-            </a:r>
             <a:endParaRPr lang="en-US" dirty="0" smtClean="0"/>
           </a:p>
         </p:txBody>
@@ -3602,14 +2343,6 @@
               <a:buFont typeface="Arial" charset="0"/>
               <a:buChar char="•"/>
             </a:pPr>
-            <a:r>
-              <a:rPr lang="en-US" dirty="0" smtClean="0"/>
-              <a:t>This is an important point because it distinguishes frame-based animation from cast-based</a:t>
-            </a:r>
-            <a:r>
-              <a:rPr lang="en-US" baseline="0" dirty="0" smtClean="0"/>
-              <a:t> animation</a:t>
-            </a:r>
             <a:endParaRPr lang="en-US" dirty="0" smtClean="0"/>
           </a:p>
         </p:txBody>
@@ -3919,7 +2652,7 @@
           <a:p>
             <a:fld id="{F8166F1F-CE9B-4651-A6AA-CD717754106B}" type="datetimeFigureOut">
               <a:rPr lang="en-US" smtClean="0"/>
-              <a:t>8/9/19</a:t>
+              <a:t>8/13/19</a:t>
             </a:fld>
             <a:endParaRPr lang="en-US"/>
           </a:p>
@@ -4084,7 +2817,7 @@
           <a:p>
             <a:fld id="{A76116CE-C4A3-4A05-B2D7-7C2E9A889C0F}" type="datetimeFigureOut">
               <a:rPr lang="en-US" smtClean="0"/>
-              <a:t>8/9/19</a:t>
+              <a:t>8/13/19</a:t>
             </a:fld>
             <a:endParaRPr lang="en-US"/>
           </a:p>
@@ -4259,7 +2992,7 @@
           <a:p>
             <a:fld id="{A76116CE-C4A3-4A05-B2D7-7C2E9A889C0F}" type="datetimeFigureOut">
               <a:rPr lang="en-US" smtClean="0"/>
-              <a:t>8/9/19</a:t>
+              <a:t>8/13/19</a:t>
             </a:fld>
             <a:endParaRPr lang="en-US"/>
           </a:p>
@@ -4426,7 +3159,7 @@
           <a:p>
             <a:fld id="{A76116CE-C4A3-4A05-B2D7-7C2E9A889C0F}" type="datetimeFigureOut">
               <a:rPr lang="en-US" smtClean="0"/>
-              <a:t>8/9/19</a:t>
+              <a:t>8/13/19</a:t>
             </a:fld>
             <a:endParaRPr lang="en-US"/>
           </a:p>
@@ -4667,7 +3400,7 @@
           <a:p>
             <a:fld id="{A76116CE-C4A3-4A05-B2D7-7C2E9A889C0F}" type="datetimeFigureOut">
               <a:rPr lang="en-US" smtClean="0"/>
-              <a:t>8/9/19</a:t>
+              <a:t>8/13/19</a:t>
             </a:fld>
             <a:endParaRPr lang="en-US"/>
           </a:p>
@@ -4950,7 +3683,7 @@
           <a:p>
             <a:fld id="{A76116CE-C4A3-4A05-B2D7-7C2E9A889C0F}" type="datetimeFigureOut">
               <a:rPr lang="en-US" smtClean="0"/>
-              <a:t>8/9/19</a:t>
+              <a:t>8/13/19</a:t>
             </a:fld>
             <a:endParaRPr lang="en-US"/>
           </a:p>
@@ -5367,7 +4100,7 @@
           <a:p>
             <a:fld id="{A76116CE-C4A3-4A05-B2D7-7C2E9A889C0F}" type="datetimeFigureOut">
               <a:rPr lang="en-US" smtClean="0"/>
-              <a:t>8/9/19</a:t>
+              <a:t>8/13/19</a:t>
             </a:fld>
             <a:endParaRPr lang="en-US"/>
           </a:p>
@@ -5480,7 +4213,7 @@
           <a:p>
             <a:fld id="{A76116CE-C4A3-4A05-B2D7-7C2E9A889C0F}" type="datetimeFigureOut">
               <a:rPr lang="en-US" smtClean="0"/>
-              <a:t>8/9/19</a:t>
+              <a:t>8/13/19</a:t>
             </a:fld>
             <a:endParaRPr lang="en-US"/>
           </a:p>
@@ -5570,7 +4303,7 @@
           <a:p>
             <a:fld id="{A76116CE-C4A3-4A05-B2D7-7C2E9A889C0F}" type="datetimeFigureOut">
               <a:rPr lang="en-US" smtClean="0"/>
-              <a:t>8/9/19</a:t>
+              <a:t>8/13/19</a:t>
             </a:fld>
             <a:endParaRPr lang="en-US"/>
           </a:p>
@@ -5842,7 +4575,7 @@
           <a:p>
             <a:fld id="{A76116CE-C4A3-4A05-B2D7-7C2E9A889C0F}" type="datetimeFigureOut">
               <a:rPr lang="en-US" smtClean="0"/>
-              <a:t>8/9/19</a:t>
+              <a:t>8/13/19</a:t>
             </a:fld>
             <a:endParaRPr lang="en-US"/>
           </a:p>
@@ -6090,7 +4823,7 @@
           <a:p>
             <a:fld id="{A76116CE-C4A3-4A05-B2D7-7C2E9A889C0F}" type="datetimeFigureOut">
               <a:rPr lang="en-US" smtClean="0"/>
-              <a:t>8/9/19</a:t>
+              <a:t>8/13/19</a:t>
             </a:fld>
             <a:endParaRPr lang="en-US"/>
           </a:p>
@@ -6298,7 +5031,7 @@
           <a:p>
             <a:fld id="{F8166F1F-CE9B-4651-A6AA-CD717754106B}" type="datetimeFigureOut">
               <a:rPr lang="en-US" smtClean="0"/>
-              <a:t>8/9/19</a:t>
+              <a:t>8/13/19</a:t>
             </a:fld>
             <a:endParaRPr lang="en-US"/>
           </a:p>
@@ -6718,7 +5451,6 @@
               <a:rPr lang="en-US" sz="4000" b="1" dirty="0" smtClean="0"/>
               <a:t>04.1 2D Amination Algorithms</a:t>
             </a:r>
-            <a:endParaRPr lang="en-US" sz="4000" b="1" dirty="0" smtClean="0"/>
           </a:p>
           <a:p>
             <a:pPr algn="ctr"/>
@@ -6824,7 +5556,6 @@
               <a:rPr lang="en-US" sz="3500" b="1" u="sng" dirty="0" smtClean="0"/>
               <a:t>Cast-based</a:t>
             </a:r>
-            <a:endParaRPr lang="en-US" sz="3500" b="1" u="sng" dirty="0" smtClean="0"/>
           </a:p>
           <a:p>
             <a:pPr lvl="1"/>
@@ -6880,7 +5611,6 @@
               <a:rPr lang="en-US" sz="2500" dirty="0" smtClean="0"/>
               <a:t>and plants might be part of the background, but a 	monkey would be a separate object moving 	independently of the background</a:t>
             </a:r>
-            <a:endParaRPr lang="en-US" sz="2500" dirty="0" smtClean="0"/>
           </a:p>
         </p:txBody>
       </p:sp>
@@ -6993,7 +5723,6 @@
               <a:rPr lang="en-US" sz="3500" b="1" dirty="0" smtClean="0"/>
               <a:t>Sprite sheets</a:t>
             </a:r>
-            <a:endParaRPr lang="en-US" sz="3500" b="1" dirty="0" smtClean="0"/>
           </a:p>
           <a:p>
             <a:pPr lvl="1"/>
@@ -7204,7 +5933,6 @@
               <a:rPr lang="en-US" sz="3500" b="1" dirty="0" smtClean="0"/>
               <a:t> blobbo </a:t>
             </a:r>
-            <a:endParaRPr lang="en-US" sz="3500" b="1" dirty="0" smtClean="0"/>
           </a:p>
           <a:p>
             <a:pPr lvl="1"/>
@@ -7356,7 +6084,6 @@
               <a:rPr lang="en-US" sz="3500" b="1" dirty="0" smtClean="0"/>
               <a:t>Drawing from a sprite sheet</a:t>
             </a:r>
-            <a:endParaRPr lang="en-US" sz="3500" b="1" dirty="0" smtClean="0"/>
           </a:p>
           <a:p>
             <a:pPr lvl="1"/>
@@ -7417,7 +6144,6 @@
               <a:rPr lang="en-US" sz="2000" dirty="0" smtClean="0"/>
               <a:t>);</a:t>
             </a:r>
-            <a:endParaRPr lang="en-US" sz="2000" dirty="0" smtClean="0"/>
           </a:p>
         </p:txBody>
       </p:sp>
@@ -7500,7 +6226,6 @@
               <a:rPr lang="en-US" sz="3500" b="1" dirty="0" smtClean="0"/>
               <a:t>Drawing from a sprite sheet</a:t>
             </a:r>
-            <a:endParaRPr lang="en-US" sz="3500" b="1" dirty="0" smtClean="0"/>
           </a:p>
           <a:p>
             <a:pPr lvl="1"/>
@@ -7525,7 +6250,6 @@
               <a:rPr lang="en-US" sz="2000" dirty="0" smtClean="0"/>
               <a:t>Draw only a portion of the pixels</a:t>
             </a:r>
-            <a:endParaRPr lang="en-US" sz="2000" dirty="0" smtClean="0"/>
           </a:p>
         </p:txBody>
       </p:sp>
@@ -7709,7 +6433,6 @@
               <a:rPr lang="en-US" sz="3500" b="1" dirty="0" smtClean="0"/>
               <a:t>Drawing part of an image</a:t>
             </a:r>
-            <a:endParaRPr lang="en-US" sz="3500" b="1" dirty="0" smtClean="0"/>
           </a:p>
           <a:p>
             <a:pPr lvl="1"/>
@@ -7860,7 +6583,6 @@
               <a:rPr lang="en-US" sz="3500" b="1" dirty="0" smtClean="0"/>
               <a:t>Drawing part of an image</a:t>
             </a:r>
-            <a:endParaRPr lang="en-US" sz="3500" b="1" dirty="0" smtClean="0"/>
           </a:p>
         </p:txBody>
       </p:sp>
@@ -7966,7 +6688,6 @@
               <a:rPr lang="en-US" sz="3500" b="1" dirty="0" smtClean="0"/>
               <a:t>Drawing part of an image</a:t>
             </a:r>
-            <a:endParaRPr lang="en-US" sz="3500" b="1" dirty="0" smtClean="0"/>
           </a:p>
         </p:txBody>
       </p:sp>
@@ -8110,7 +6831,6 @@
               <a:rPr lang="en-US" sz="3500" b="1" dirty="0" smtClean="0"/>
               <a:t> selecting frames</a:t>
             </a:r>
-            <a:endParaRPr lang="en-US" sz="3500" b="1" dirty="0" smtClean="0"/>
           </a:p>
           <a:p>
             <a:pPr lvl="1"/>
@@ -8560,7 +7280,6 @@
               <a:rPr lang="en-US" sz="3500" b="1" dirty="0" smtClean="0"/>
               <a:t>Using a sprite sheet</a:t>
             </a:r>
-            <a:endParaRPr lang="en-US" sz="3500" b="1" dirty="0" smtClean="0"/>
           </a:p>
           <a:p>
             <a:pPr lvl="1"/>
@@ -8677,7 +7396,6 @@
               <a:rPr lang="en-US" sz="3500" b="1" dirty="0" smtClean="0"/>
               <a:t>2D animation algorithms</a:t>
             </a:r>
-            <a:endParaRPr lang="en-US" sz="3500" b="1" dirty="0" smtClean="0"/>
           </a:p>
           <a:p>
             <a:pPr lvl="1"/>
@@ -8690,11 +7408,7 @@
             </a:pPr>
             <a:r>
               <a:rPr lang="en-US" sz="2500" dirty="0" smtClean="0"/>
-              <a:t>C</a:t>
-            </a:r>
-            <a:r>
-              <a:rPr lang="en-US" sz="2500" dirty="0" smtClean="0"/>
-              <a:t>ontinue to develop our understanding of OO architecture</a:t>
+              <a:t>Continue to develop our understanding of OO architecture</a:t>
             </a:r>
           </a:p>
           <a:p>
@@ -8716,7 +7430,6 @@
               <a:rPr lang="en-US" sz="2500" dirty="0" smtClean="0"/>
               <a:t>How animation works from a human cognition perspective</a:t>
             </a:r>
-            <a:endParaRPr lang="en-US" sz="2500" dirty="0" smtClean="0"/>
           </a:p>
         </p:txBody>
       </p:sp>
@@ -8911,7 +7624,6 @@
               <a:rPr lang="en-US" sz="2000" dirty="0" smtClean="0"/>
               <a:t>Update it current frame</a:t>
             </a:r>
-            <a:endParaRPr lang="en-US" sz="2000" dirty="0" smtClean="0"/>
           </a:p>
         </p:txBody>
       </p:sp>
@@ -9227,11 +7939,7 @@
             </a:pPr>
             <a:r>
               <a:rPr lang="en-US" sz="2500" dirty="0" smtClean="0"/>
-              <a:t>When you dra</a:t>
-            </a:r>
-            <a:r>
-              <a:rPr lang="en-US" sz="2500" dirty="0" smtClean="0"/>
-              <a:t>w a Bitmap instance, any pixels of the nominated transparent colour are not drawn</a:t>
+              <a:t>When you draw a Bitmap instance, any pixels of the nominated transparent colour are not drawn</a:t>
             </a:r>
             <a:endParaRPr lang="en-US" sz="2000" dirty="0" smtClean="0"/>
           </a:p>
@@ -9346,7 +8054,6 @@
               <a:rPr lang="en-US" sz="3500" b="1" dirty="0" smtClean="0"/>
               <a:t>2D animation algorithms</a:t>
             </a:r>
-            <a:endParaRPr lang="en-US" sz="3500" b="1" dirty="0" smtClean="0"/>
           </a:p>
           <a:p>
             <a:pPr lvl="1"/>
@@ -9361,7 +8068,6 @@
               <a:rPr lang="en-US" sz="2500" dirty="0" smtClean="0"/>
               <a:t>The production of the illusion of movement by rapid representation of a series of still images</a:t>
             </a:r>
-            <a:endParaRPr lang="en-US" sz="2500" dirty="0" smtClean="0"/>
           </a:p>
         </p:txBody>
       </p:sp>
@@ -9478,7 +8184,6 @@
               <a:rPr lang="en-US" sz="3500" b="1" dirty="0" smtClean="0"/>
               <a:t> vs 3D animation</a:t>
             </a:r>
-            <a:endParaRPr lang="en-US" sz="3500" b="1" dirty="0" smtClean="0"/>
           </a:p>
           <a:p>
             <a:pPr lvl="1"/>
@@ -9657,7 +8362,6 @@
               <a:rPr lang="en-US" sz="3500" b="1" u="sng" dirty="0" smtClean="0"/>
               <a:t>3D animation</a:t>
             </a:r>
-            <a:endParaRPr lang="en-US" sz="3500" b="1" u="sng" dirty="0" smtClean="0"/>
           </a:p>
           <a:p>
             <a:pPr lvl="1"/>
@@ -9760,7 +8464,6 @@
               <a:rPr lang="en-US" sz="2000" dirty="0" smtClean="0"/>
               <a:t>Animating</a:t>
             </a:r>
-            <a:endParaRPr lang="en-US" sz="2000" dirty="0" smtClean="0"/>
           </a:p>
         </p:txBody>
       </p:sp>
@@ -9851,7 +8554,6 @@
               <a:rPr lang="en-US" sz="3500" b="1" dirty="0" smtClean="0"/>
               <a:t> modelling </a:t>
             </a:r>
-            <a:endParaRPr lang="en-US" sz="3500" b="1" dirty="0" smtClean="0"/>
           </a:p>
           <a:p>
             <a:pPr lvl="1"/>
@@ -10005,7 +8707,6 @@
               <a:rPr lang="en-US" sz="3500" b="1" dirty="0" smtClean="0"/>
               <a:t> rigging</a:t>
             </a:r>
-            <a:endParaRPr lang="en-US" sz="3500" b="1" dirty="0" smtClean="0"/>
           </a:p>
           <a:p>
             <a:pPr lvl="1"/>
@@ -10188,7 +8889,6 @@
               <a:rPr lang="en-US" sz="3500" b="1" dirty="0" smtClean="0"/>
               <a:t> skinning</a:t>
             </a:r>
-            <a:endParaRPr lang="en-US" sz="3500" b="1" dirty="0" smtClean="0"/>
           </a:p>
           <a:p>
             <a:pPr lvl="1"/>
@@ -10360,7 +9060,6 @@
               <a:rPr lang="en-US" sz="3500" b="1" dirty="0" smtClean="0"/>
               <a:t> vs Cast-based</a:t>
             </a:r>
-            <a:endParaRPr lang="en-US" sz="3500" b="1" dirty="0" smtClean="0"/>
           </a:p>
           <a:p>
             <a:pPr lvl="1"/>

--- a/Programming 4/04.1 2D Animation Algorithms/04.1 2D Animation Algorithms.pptx
+++ b/Programming 4/04.1 2D Animation Algorithms/04.1 2D Animation Algorithms.pptx
@@ -229,7 +229,7 @@
           <a:p>
             <a:fld id="{1877258C-0AF3-9544-8465-E7298A647FBC}" type="datetimeFigureOut">
               <a:rPr lang="en-US" smtClean="0"/>
-              <a:t>8/13/19</a:t>
+              <a:t>8/14/2019</a:t>
             </a:fld>
             <a:endParaRPr lang="en-US"/>
           </a:p>
@@ -545,6 +545,99 @@
               <a:buFont typeface="Arial" charset="0"/>
               <a:buChar char="•"/>
             </a:pPr>
+            <a:r>
+              <a:rPr lang="en-US" dirty="0" smtClean="0"/>
+              <a:t>In order to create an awesome Roguelike,</a:t>
+            </a:r>
+            <a:r>
+              <a:rPr lang="en-US" baseline="0" dirty="0" smtClean="0"/>
+              <a:t> we need sprite animations</a:t>
+            </a:r>
+          </a:p>
+          <a:p>
+            <a:pPr marL="171450" indent="-171450">
+              <a:buFont typeface="Arial" charset="0"/>
+              <a:buChar char="•"/>
+            </a:pPr>
+            <a:endParaRPr lang="en-US" baseline="0" dirty="0" smtClean="0"/>
+          </a:p>
+          <a:p>
+            <a:pPr marL="171450" indent="-171450">
+              <a:buFont typeface="Arial" charset="0"/>
+              <a:buChar char="•"/>
+            </a:pPr>
+            <a:r>
+              <a:rPr lang="en-US" baseline="0" dirty="0" smtClean="0"/>
+              <a:t>We will look at how to implement sprite animations in Visual C++</a:t>
+            </a:r>
+          </a:p>
+          <a:p>
+            <a:pPr marL="171450" indent="-171450">
+              <a:buFont typeface="Arial" charset="0"/>
+              <a:buChar char="•"/>
+            </a:pPr>
+            <a:endParaRPr lang="en-US" baseline="0" dirty="0" smtClean="0"/>
+          </a:p>
+          <a:p>
+            <a:pPr marL="171450" indent="-171450">
+              <a:buFont typeface="Arial" charset="0"/>
+              <a:buChar char="•"/>
+            </a:pPr>
+            <a:r>
+              <a:rPr lang="en-US" baseline="0" dirty="0" smtClean="0"/>
+              <a:t>This process will let us continue to develop out understanding of OO architecture</a:t>
+            </a:r>
+          </a:p>
+          <a:p>
+            <a:pPr marL="171450" indent="-171450">
+              <a:buFont typeface="Arial" charset="0"/>
+              <a:buChar char="•"/>
+            </a:pPr>
+            <a:endParaRPr lang="en-US" baseline="0" dirty="0" smtClean="0"/>
+          </a:p>
+          <a:p>
+            <a:pPr marL="171450" indent="-171450">
+              <a:buFont typeface="Arial" charset="0"/>
+              <a:buChar char="•"/>
+            </a:pPr>
+            <a:r>
+              <a:rPr lang="en-US" baseline="0" dirty="0" smtClean="0"/>
+              <a:t>We will begin with very brief discussion of how animation works from a human cognition perspective</a:t>
+            </a:r>
+          </a:p>
+          <a:p>
+            <a:pPr marL="171450" indent="-171450">
+              <a:buFont typeface="Arial" charset="0"/>
+              <a:buChar char="•"/>
+            </a:pPr>
+            <a:endParaRPr lang="en-US" baseline="0" dirty="0" smtClean="0"/>
+          </a:p>
+          <a:p>
+            <a:pPr marL="171450" indent="-171450">
+              <a:buFont typeface="Arial" charset="0"/>
+              <a:buChar char="•"/>
+            </a:pPr>
+            <a:r>
+              <a:rPr lang="en-US" baseline="0" dirty="0" smtClean="0"/>
+              <a:t>Today we will consider the initial architecture of our animated sprite class</a:t>
+            </a:r>
+          </a:p>
+          <a:p>
+            <a:pPr marL="171450" indent="-171450">
+              <a:buFont typeface="Arial" charset="0"/>
+              <a:buChar char="•"/>
+            </a:pPr>
+            <a:endParaRPr lang="en-US" baseline="0" dirty="0" smtClean="0"/>
+          </a:p>
+          <a:p>
+            <a:pPr marL="171450" indent="-171450">
+              <a:buFont typeface="Arial" charset="0"/>
+              <a:buChar char="•"/>
+            </a:pPr>
+            <a:r>
+              <a:rPr lang="en-US" baseline="0" dirty="0" smtClean="0"/>
+              <a:t>Over the next couple of weeks, we will add additional features to this class</a:t>
+            </a:r>
             <a:endParaRPr lang="en-US" dirty="0" smtClean="0"/>
           </a:p>
         </p:txBody>
@@ -721,6 +814,225 @@
               <a:buFont typeface="Arial" charset="0"/>
               <a:buChar char="•"/>
             </a:pPr>
+            <a:r>
+              <a:rPr lang="en-US" sz="1200" kern="1200" dirty="0" smtClean="0">
+                <a:solidFill>
+                  <a:schemeClr val="tx1"/>
+                </a:solidFill>
+                <a:effectLst/>
+                <a:latin typeface="+mn-lt"/>
+                <a:ea typeface="+mn-ea"/>
+                <a:cs typeface="+mn-cs"/>
+              </a:rPr>
+              <a:t>If we drew each little square of blobbo onto the screen in rapid succession, it would look like a moving blobbo </a:t>
+            </a:r>
+            <a:r>
+              <a:rPr lang="mr-IN" sz="1200" kern="1200" dirty="0" smtClean="0">
+                <a:solidFill>
+                  <a:schemeClr val="tx1"/>
+                </a:solidFill>
+                <a:effectLst/>
+                <a:latin typeface="+mn-lt"/>
+                <a:ea typeface="+mn-ea"/>
+                <a:cs typeface="+mn-cs"/>
+              </a:rPr>
+              <a:t>–</a:t>
+            </a:r>
+            <a:r>
+              <a:rPr lang="en-US" sz="1200" kern="1200" dirty="0" smtClean="0">
+                <a:solidFill>
+                  <a:schemeClr val="tx1"/>
+                </a:solidFill>
+                <a:effectLst/>
+                <a:latin typeface="+mn-lt"/>
+                <a:ea typeface="+mn-ea"/>
+                <a:cs typeface="+mn-cs"/>
+              </a:rPr>
+              <a:t> twists</a:t>
+            </a:r>
+            <a:r>
+              <a:rPr lang="en-US" sz="1200" kern="1200" baseline="0" dirty="0" smtClean="0">
+                <a:solidFill>
+                  <a:schemeClr val="tx1"/>
+                </a:solidFill>
+                <a:effectLst/>
+                <a:latin typeface="+mn-lt"/>
+                <a:ea typeface="+mn-ea"/>
+                <a:cs typeface="+mn-cs"/>
+              </a:rPr>
+              <a:t> from side to side</a:t>
+            </a:r>
+          </a:p>
+          <a:p>
+            <a:pPr marL="171450" indent="-171450">
+              <a:buFont typeface="Arial" charset="0"/>
+              <a:buChar char="•"/>
+            </a:pPr>
+            <a:endParaRPr lang="en-US" sz="1200" kern="1200" baseline="0" dirty="0" smtClean="0">
+              <a:solidFill>
+                <a:schemeClr val="tx1"/>
+              </a:solidFill>
+              <a:effectLst/>
+              <a:latin typeface="+mn-lt"/>
+              <a:ea typeface="+mn-ea"/>
+              <a:cs typeface="+mn-cs"/>
+            </a:endParaRPr>
+          </a:p>
+          <a:p>
+            <a:pPr marL="171450" indent="-171450">
+              <a:buFont typeface="Arial" charset="0"/>
+              <a:buChar char="•"/>
+            </a:pPr>
+            <a:r>
+              <a:rPr lang="en-US" sz="1200" kern="1200" baseline="0" dirty="0" smtClean="0">
+                <a:solidFill>
+                  <a:schemeClr val="tx1"/>
+                </a:solidFill>
+                <a:effectLst/>
+                <a:latin typeface="+mn-lt"/>
+                <a:ea typeface="+mn-ea"/>
+                <a:cs typeface="+mn-cs"/>
+              </a:rPr>
+              <a:t>Sprite sheets usually have a background colour, for example, fuchsia</a:t>
+            </a:r>
+          </a:p>
+          <a:p>
+            <a:pPr marL="171450" indent="-171450">
+              <a:buFont typeface="Arial" charset="0"/>
+              <a:buChar char="•"/>
+            </a:pPr>
+            <a:endParaRPr lang="en-US" sz="1200" kern="1200" baseline="0" dirty="0" smtClean="0">
+              <a:solidFill>
+                <a:schemeClr val="tx1"/>
+              </a:solidFill>
+              <a:effectLst/>
+              <a:latin typeface="+mn-lt"/>
+              <a:ea typeface="+mn-ea"/>
+              <a:cs typeface="+mn-cs"/>
+            </a:endParaRPr>
+          </a:p>
+          <a:p>
+            <a:pPr marL="171450" indent="-171450">
+              <a:buFont typeface="Arial" charset="0"/>
+              <a:buChar char="•"/>
+            </a:pPr>
+            <a:r>
+              <a:rPr lang="en-US" sz="1200" kern="1200" baseline="0" dirty="0" smtClean="0">
+                <a:solidFill>
+                  <a:schemeClr val="tx1"/>
+                </a:solidFill>
+                <a:effectLst/>
+                <a:latin typeface="+mn-lt"/>
+                <a:ea typeface="+mn-ea"/>
+                <a:cs typeface="+mn-cs"/>
+              </a:rPr>
+              <a:t>The method is to tell your rendering class to draw all the pixels from the sprite sheet that aren’t the background colour</a:t>
+            </a:r>
+          </a:p>
+          <a:p>
+            <a:pPr marL="171450" indent="-171450">
+              <a:buFont typeface="Arial" charset="0"/>
+              <a:buChar char="•"/>
+            </a:pPr>
+            <a:endParaRPr lang="en-US" sz="1200" kern="1200" baseline="0" dirty="0" smtClean="0">
+              <a:solidFill>
+                <a:schemeClr val="tx1"/>
+              </a:solidFill>
+              <a:effectLst/>
+              <a:latin typeface="+mn-lt"/>
+              <a:ea typeface="+mn-ea"/>
+              <a:cs typeface="+mn-cs"/>
+            </a:endParaRPr>
+          </a:p>
+          <a:p>
+            <a:pPr marL="171450" indent="-171450">
+              <a:buFont typeface="Arial" charset="0"/>
+              <a:buChar char="•"/>
+            </a:pPr>
+            <a:r>
+              <a:rPr lang="en-US" sz="1200" kern="1200" baseline="0" dirty="0" smtClean="0">
+                <a:solidFill>
+                  <a:schemeClr val="tx1"/>
+                </a:solidFill>
+                <a:effectLst/>
+                <a:latin typeface="+mn-lt"/>
+                <a:ea typeface="+mn-ea"/>
+                <a:cs typeface="+mn-cs"/>
+              </a:rPr>
+              <a:t>You can work with a convenient rectangular shape, but only the sprite itself shows</a:t>
+            </a:r>
+          </a:p>
+          <a:p>
+            <a:pPr marL="171450" indent="-171450">
+              <a:buFont typeface="Arial" charset="0"/>
+              <a:buChar char="•"/>
+            </a:pPr>
+            <a:endParaRPr lang="en-US" sz="1200" kern="1200" baseline="0" dirty="0" smtClean="0">
+              <a:solidFill>
+                <a:schemeClr val="tx1"/>
+              </a:solidFill>
+              <a:effectLst/>
+              <a:latin typeface="+mn-lt"/>
+              <a:ea typeface="+mn-ea"/>
+              <a:cs typeface="+mn-cs"/>
+            </a:endParaRPr>
+          </a:p>
+          <a:p>
+            <a:pPr marL="171450" indent="-171450">
+              <a:buFont typeface="Arial" charset="0"/>
+              <a:buChar char="•"/>
+            </a:pPr>
+            <a:r>
+              <a:rPr lang="en-US" sz="1200" kern="1200" baseline="0" dirty="0" smtClean="0">
+                <a:solidFill>
+                  <a:schemeClr val="tx1"/>
+                </a:solidFill>
+                <a:effectLst/>
+                <a:latin typeface="+mn-lt"/>
+                <a:ea typeface="+mn-ea"/>
+                <a:cs typeface="+mn-cs"/>
+              </a:rPr>
+              <a:t>This is called making the background transparent, but more accurately, it is simply not drawing the background pixels at all</a:t>
+            </a:r>
+          </a:p>
+          <a:p>
+            <a:pPr marL="171450" indent="-171450">
+              <a:buFont typeface="Arial" charset="0"/>
+              <a:buChar char="•"/>
+            </a:pPr>
+            <a:endParaRPr lang="en-US" sz="1200" kern="1200" baseline="0" dirty="0" smtClean="0">
+              <a:solidFill>
+                <a:schemeClr val="tx1"/>
+              </a:solidFill>
+              <a:effectLst/>
+              <a:latin typeface="+mn-lt"/>
+              <a:ea typeface="+mn-ea"/>
+              <a:cs typeface="+mn-cs"/>
+            </a:endParaRPr>
+          </a:p>
+          <a:p>
+            <a:pPr marL="171450" indent="-171450">
+              <a:buFont typeface="Arial" charset="0"/>
+              <a:buChar char="•"/>
+            </a:pPr>
+            <a:r>
+              <a:rPr lang="en-US" sz="1200" kern="1200" baseline="0" dirty="0" smtClean="0">
+                <a:solidFill>
+                  <a:schemeClr val="tx1"/>
+                </a:solidFill>
+                <a:effectLst/>
+                <a:latin typeface="+mn-lt"/>
+                <a:ea typeface="+mn-ea"/>
+                <a:cs typeface="+mn-cs"/>
+              </a:rPr>
+              <a:t>We will use a .NET class to do this</a:t>
+            </a:r>
+          </a:p>
+          <a:p>
+            <a:pPr marL="171450" indent="-171450">
+              <a:buFont typeface="Arial" charset="0"/>
+              <a:buChar char="•"/>
+            </a:pPr>
             <a:endParaRPr lang="en-US" dirty="0" smtClean="0"/>
           </a:p>
         </p:txBody>
@@ -822,6 +1134,47 @@
               <a:tabLst/>
               <a:defRPr/>
             </a:pPr>
+            <a:r>
+              <a:rPr lang="en-US" dirty="0" smtClean="0"/>
+              <a:t>We declare an Image^,</a:t>
+            </a:r>
+            <a:r>
+              <a:rPr lang="en-US" baseline="0" dirty="0" smtClean="0"/>
+              <a:t> initialised it with the static FromFile method and display </a:t>
+            </a:r>
+            <a:r>
+              <a:rPr lang="en-US" sz="1200" kern="1200" dirty="0" smtClean="0">
+                <a:solidFill>
+                  <a:schemeClr val="tx1"/>
+                </a:solidFill>
+                <a:effectLst/>
+                <a:latin typeface="+mn-lt"/>
+                <a:ea typeface="+mn-ea"/>
+                <a:cs typeface="+mn-cs"/>
+              </a:rPr>
+              <a:t>it on the screen by handing it off to canvas-&gt;DrawImage</a:t>
+            </a:r>
+          </a:p>
+          <a:p>
+            <a:pPr marL="171450" indent="-171450">
+              <a:buFont typeface="Arial" charset="0"/>
+              <a:buChar char="•"/>
+            </a:pPr>
+            <a:endParaRPr lang="en-US" dirty="0" smtClean="0"/>
+          </a:p>
+          <a:p>
+            <a:pPr marL="171450" indent="-171450">
+              <a:buFont typeface="Arial" charset="0"/>
+              <a:buChar char="•"/>
+            </a:pPr>
+            <a:r>
+              <a:rPr lang="en-US" dirty="0" smtClean="0"/>
+              <a:t>We always used the whole image, and</a:t>
+            </a:r>
+            <a:r>
+              <a:rPr lang="en-US" baseline="0" dirty="0" smtClean="0"/>
+              <a:t> drew all of its pixels including the background (white area of our gnome image)</a:t>
+            </a:r>
             <a:endParaRPr lang="en-US" dirty="0" smtClean="0"/>
           </a:p>
         </p:txBody>
@@ -910,6 +1263,24 @@
               <a:buFont typeface="Arial" charset="0"/>
               <a:buChar char="•"/>
             </a:pPr>
+            <a:r>
+              <a:rPr lang="en-US" sz="1200" kern="1200" dirty="0" smtClean="0">
+                <a:solidFill>
+                  <a:schemeClr val="tx1"/>
+                </a:solidFill>
+                <a:effectLst/>
+                <a:latin typeface="+mn-lt"/>
+                <a:ea typeface="+mn-ea"/>
+                <a:cs typeface="+mn-cs"/>
+              </a:rPr>
+              <a:t>Blobbo sprite sheet contains many frames of animation</a:t>
+            </a:r>
+          </a:p>
+          <a:p>
+            <a:pPr marL="171450" indent="-171450">
+              <a:buFont typeface="Arial" charset="0"/>
+              <a:buChar char="•"/>
+            </a:pPr>
             <a:endParaRPr lang="en-US" sz="1200" kern="1200" dirty="0" smtClean="0">
               <a:solidFill>
                 <a:schemeClr val="tx1"/>
@@ -919,6 +1290,295 @@
               <a:ea typeface="+mn-ea"/>
               <a:cs typeface="+mn-cs"/>
             </a:endParaRPr>
+          </a:p>
+          <a:p>
+            <a:pPr marL="171450" indent="-171450">
+              <a:buFont typeface="Arial" charset="0"/>
+              <a:buChar char="•"/>
+            </a:pPr>
+            <a:r>
+              <a:rPr lang="en-US" sz="1200" kern="1200" dirty="0" smtClean="0">
+                <a:solidFill>
+                  <a:schemeClr val="tx1"/>
+                </a:solidFill>
+                <a:effectLst/>
+                <a:latin typeface="+mn-lt"/>
+                <a:ea typeface="+mn-ea"/>
+                <a:cs typeface="+mn-cs"/>
+              </a:rPr>
+              <a:t>We need</a:t>
+            </a:r>
+            <a:r>
+              <a:rPr lang="en-US" sz="1200" kern="1200" baseline="0" dirty="0" smtClean="0">
+                <a:solidFill>
+                  <a:schemeClr val="tx1"/>
+                </a:solidFill>
+                <a:effectLst/>
+                <a:latin typeface="+mn-lt"/>
+                <a:ea typeface="+mn-ea"/>
+                <a:cs typeface="+mn-cs"/>
+              </a:rPr>
+              <a:t> to draw a portion of the sprite sheet image at a time</a:t>
+            </a:r>
+          </a:p>
+          <a:p>
+            <a:pPr marL="171450" indent="-171450">
+              <a:buFont typeface="Arial" charset="0"/>
+              <a:buChar char="•"/>
+            </a:pPr>
+            <a:endParaRPr lang="en-US" sz="1200" kern="1200" baseline="0" dirty="0" smtClean="0">
+              <a:solidFill>
+                <a:schemeClr val="tx1"/>
+              </a:solidFill>
+              <a:effectLst/>
+              <a:latin typeface="+mn-lt"/>
+              <a:ea typeface="+mn-ea"/>
+              <a:cs typeface="+mn-cs"/>
+            </a:endParaRPr>
+          </a:p>
+          <a:p>
+            <a:pPr marL="171450" marR="0" indent="-171450" algn="l" defTabSz="914400" rtl="0" eaLnBrk="1" fontAlgn="auto" latinLnBrk="0" hangingPunct="1">
+              <a:lnSpc>
+                <a:spcPct val="100000"/>
+              </a:lnSpc>
+              <a:spcBef>
+                <a:spcPts val="0"/>
+              </a:spcBef>
+              <a:spcAft>
+                <a:spcPts val="0"/>
+              </a:spcAft>
+              <a:buClrTx/>
+              <a:buSzTx/>
+              <a:buFont typeface="Arial" charset="0"/>
+              <a:buChar char="•"/>
+              <a:tabLst/>
+              <a:defRPr/>
+            </a:pPr>
+            <a:r>
+              <a:rPr lang="en-US" sz="1200" kern="1200" dirty="0" smtClean="0">
+                <a:solidFill>
+                  <a:schemeClr val="tx1"/>
+                </a:solidFill>
+                <a:effectLst/>
+                <a:latin typeface="+mn-lt"/>
+                <a:ea typeface="+mn-ea"/>
+                <a:cs typeface="+mn-cs"/>
+              </a:rPr>
+              <a:t>Animation works by displaying the frames in turn, so we want to draw the first frame, then the second frame…</a:t>
+            </a:r>
+          </a:p>
+          <a:p>
+            <a:pPr marL="171450" marR="0" indent="-171450" algn="l" defTabSz="914400" rtl="0" eaLnBrk="1" fontAlgn="auto" latinLnBrk="0" hangingPunct="1">
+              <a:lnSpc>
+                <a:spcPct val="100000"/>
+              </a:lnSpc>
+              <a:spcBef>
+                <a:spcPts val="0"/>
+              </a:spcBef>
+              <a:spcAft>
+                <a:spcPts val="0"/>
+              </a:spcAft>
+              <a:buClrTx/>
+              <a:buSzTx/>
+              <a:buFont typeface="Arial" charset="0"/>
+              <a:buChar char="•"/>
+              <a:tabLst/>
+              <a:defRPr/>
+            </a:pPr>
+            <a:endParaRPr lang="en-US" sz="1200" kern="1200" dirty="0" smtClean="0">
+              <a:solidFill>
+                <a:schemeClr val="tx1"/>
+              </a:solidFill>
+              <a:effectLst/>
+              <a:latin typeface="+mn-lt"/>
+              <a:ea typeface="+mn-ea"/>
+              <a:cs typeface="+mn-cs"/>
+            </a:endParaRPr>
+          </a:p>
+          <a:p>
+            <a:pPr marL="171450" marR="0" indent="-171450" algn="l" defTabSz="914400" rtl="0" eaLnBrk="1" fontAlgn="auto" latinLnBrk="0" hangingPunct="1">
+              <a:lnSpc>
+                <a:spcPct val="100000"/>
+              </a:lnSpc>
+              <a:spcBef>
+                <a:spcPts val="0"/>
+              </a:spcBef>
+              <a:spcAft>
+                <a:spcPts val="0"/>
+              </a:spcAft>
+              <a:buClrTx/>
+              <a:buSzTx/>
+              <a:buFont typeface="Arial" charset="0"/>
+              <a:buChar char="•"/>
+              <a:tabLst/>
+              <a:defRPr/>
+            </a:pPr>
+            <a:r>
+              <a:rPr lang="en-US" sz="1200" kern="1200" dirty="0" smtClean="0">
+                <a:solidFill>
+                  <a:schemeClr val="tx1"/>
+                </a:solidFill>
+                <a:effectLst/>
+                <a:latin typeface="+mn-lt"/>
+                <a:ea typeface="+mn-ea"/>
+                <a:cs typeface="+mn-cs"/>
+              </a:rPr>
+              <a:t>Here</a:t>
+            </a:r>
+            <a:r>
+              <a:rPr lang="en-US" sz="1200" kern="1200" baseline="0" dirty="0" smtClean="0">
+                <a:solidFill>
+                  <a:schemeClr val="tx1"/>
+                </a:solidFill>
+                <a:effectLst/>
+                <a:latin typeface="+mn-lt"/>
+                <a:ea typeface="+mn-ea"/>
+                <a:cs typeface="+mn-cs"/>
+              </a:rPr>
+              <a:t> you see blobbo appearing without it’s fuchsia background </a:t>
+            </a:r>
+            <a:r>
+              <a:rPr lang="mr-IN" sz="1200" kern="1200" baseline="0" dirty="0" smtClean="0">
+                <a:solidFill>
+                  <a:schemeClr val="tx1"/>
+                </a:solidFill>
+                <a:effectLst/>
+                <a:latin typeface="+mn-lt"/>
+                <a:ea typeface="+mn-ea"/>
+                <a:cs typeface="+mn-cs"/>
+              </a:rPr>
+              <a:t>–</a:t>
+            </a:r>
+            <a:r>
+              <a:rPr lang="en-US" sz="1200" kern="1200" baseline="0" dirty="0" smtClean="0">
+                <a:solidFill>
+                  <a:schemeClr val="tx1"/>
+                </a:solidFill>
+                <a:effectLst/>
+                <a:latin typeface="+mn-lt"/>
+                <a:ea typeface="+mn-ea"/>
+                <a:cs typeface="+mn-cs"/>
+              </a:rPr>
+              <a:t> we will discuss in a minute</a:t>
+            </a:r>
+          </a:p>
+          <a:p>
+            <a:pPr marL="171450" marR="0" indent="-171450" algn="l" defTabSz="914400" rtl="0" eaLnBrk="1" fontAlgn="auto" latinLnBrk="0" hangingPunct="1">
+              <a:lnSpc>
+                <a:spcPct val="100000"/>
+              </a:lnSpc>
+              <a:spcBef>
+                <a:spcPts val="0"/>
+              </a:spcBef>
+              <a:spcAft>
+                <a:spcPts val="0"/>
+              </a:spcAft>
+              <a:buClrTx/>
+              <a:buSzTx/>
+              <a:buFont typeface="Arial" charset="0"/>
+              <a:buChar char="•"/>
+              <a:tabLst/>
+              <a:defRPr/>
+            </a:pPr>
+            <a:endParaRPr lang="en-US" sz="1200" kern="1200" baseline="0" dirty="0" smtClean="0">
+              <a:solidFill>
+                <a:schemeClr val="tx1"/>
+              </a:solidFill>
+              <a:effectLst/>
+              <a:latin typeface="+mn-lt"/>
+              <a:ea typeface="+mn-ea"/>
+              <a:cs typeface="+mn-cs"/>
+            </a:endParaRPr>
+          </a:p>
+          <a:p>
+            <a:pPr marL="171450" marR="0" indent="-171450" algn="l" defTabSz="914400" rtl="0" eaLnBrk="1" fontAlgn="auto" latinLnBrk="0" hangingPunct="1">
+              <a:lnSpc>
+                <a:spcPct val="100000"/>
+              </a:lnSpc>
+              <a:spcBef>
+                <a:spcPts val="0"/>
+              </a:spcBef>
+              <a:spcAft>
+                <a:spcPts val="0"/>
+              </a:spcAft>
+              <a:buClrTx/>
+              <a:buSzTx/>
+              <a:buFont typeface="Arial" charset="0"/>
+              <a:buChar char="•"/>
+              <a:tabLst/>
+              <a:defRPr/>
+            </a:pPr>
+            <a:r>
+              <a:rPr lang="en-US" sz="1200" kern="1200" dirty="0" smtClean="0">
+                <a:solidFill>
+                  <a:schemeClr val="tx1"/>
+                </a:solidFill>
+                <a:effectLst/>
+                <a:latin typeface="+mn-lt"/>
+                <a:ea typeface="+mn-ea"/>
+                <a:cs typeface="+mn-cs"/>
+              </a:rPr>
+              <a:t>Each blobbo has the whole sprite sheet with its 8 frames</a:t>
+            </a:r>
+          </a:p>
+          <a:p>
+            <a:pPr marL="171450" marR="0" indent="-171450" algn="l" defTabSz="914400" rtl="0" eaLnBrk="1" fontAlgn="auto" latinLnBrk="0" hangingPunct="1">
+              <a:lnSpc>
+                <a:spcPct val="100000"/>
+              </a:lnSpc>
+              <a:spcBef>
+                <a:spcPts val="0"/>
+              </a:spcBef>
+              <a:spcAft>
+                <a:spcPts val="0"/>
+              </a:spcAft>
+              <a:buClrTx/>
+              <a:buSzTx/>
+              <a:buFont typeface="Arial" charset="0"/>
+              <a:buChar char="•"/>
+              <a:tabLst/>
+              <a:defRPr/>
+            </a:pPr>
+            <a:endParaRPr lang="en-US" sz="1200" kern="1200" dirty="0" smtClean="0">
+              <a:solidFill>
+                <a:schemeClr val="tx1"/>
+              </a:solidFill>
+              <a:effectLst/>
+              <a:latin typeface="+mn-lt"/>
+              <a:ea typeface="+mn-ea"/>
+              <a:cs typeface="+mn-cs"/>
+            </a:endParaRPr>
+          </a:p>
+          <a:p>
+            <a:pPr marL="171450" marR="0" indent="-171450" algn="l" defTabSz="914400" rtl="0" eaLnBrk="1" fontAlgn="auto" latinLnBrk="0" hangingPunct="1">
+              <a:lnSpc>
+                <a:spcPct val="100000"/>
+              </a:lnSpc>
+              <a:spcBef>
+                <a:spcPts val="0"/>
+              </a:spcBef>
+              <a:spcAft>
+                <a:spcPts val="0"/>
+              </a:spcAft>
+              <a:buClrTx/>
+              <a:buSzTx/>
+              <a:buFont typeface="Arial" charset="0"/>
+              <a:buChar char="•"/>
+              <a:tabLst/>
+              <a:defRPr/>
+            </a:pPr>
+            <a:r>
+              <a:rPr lang="en-US" sz="1200" kern="1200" dirty="0" smtClean="0">
+                <a:solidFill>
+                  <a:schemeClr val="tx1"/>
+                </a:solidFill>
+                <a:effectLst/>
+                <a:latin typeface="+mn-lt"/>
+                <a:ea typeface="+mn-ea"/>
+                <a:cs typeface="+mn-cs"/>
+              </a:rPr>
+              <a:t>Note how each of them is showing only a single frame-sized square from the whole sprite sheet</a:t>
+            </a:r>
           </a:p>
         </p:txBody>
       </p:sp>
@@ -1006,6 +1666,414 @@
               <a:buFont typeface="Arial" charset="0"/>
               <a:buChar char="•"/>
             </a:pPr>
+            <a:r>
+              <a:rPr lang="en-US" sz="1200" b="0" kern="1200" dirty="0" smtClean="0">
+                <a:solidFill>
+                  <a:schemeClr val="tx1"/>
+                </a:solidFill>
+                <a:effectLst/>
+                <a:latin typeface="+mn-lt"/>
+                <a:ea typeface="+mn-ea"/>
+                <a:cs typeface="+mn-cs"/>
+              </a:rPr>
+              <a:t>Rectangle rectangle = Rectangle(</a:t>
+            </a:r>
+            <a:r>
+              <a:rPr lang="en-US" sz="1200" b="0" kern="1200" dirty="0" err="1" smtClean="0">
+                <a:solidFill>
+                  <a:schemeClr val="tx1"/>
+                </a:solidFill>
+                <a:effectLst/>
+                <a:latin typeface="+mn-lt"/>
+                <a:ea typeface="+mn-ea"/>
+                <a:cs typeface="+mn-cs"/>
+              </a:rPr>
+              <a:t>currentFrame</a:t>
+            </a:r>
+            <a:r>
+              <a:rPr lang="en-US" sz="1200" b="0" kern="1200" dirty="0" smtClean="0">
+                <a:solidFill>
+                  <a:schemeClr val="tx1"/>
+                </a:solidFill>
+                <a:effectLst/>
+                <a:latin typeface="+mn-lt"/>
+                <a:ea typeface="+mn-ea"/>
+                <a:cs typeface="+mn-cs"/>
+              </a:rPr>
+              <a:t> * frameWidth, 0, frameWidth, frameHeight);</a:t>
+            </a:r>
+          </a:p>
+          <a:p>
+            <a:pPr marL="171450" marR="0" indent="-171450" algn="l" defTabSz="914400" rtl="0" eaLnBrk="1" fontAlgn="auto" latinLnBrk="0" hangingPunct="1">
+              <a:lnSpc>
+                <a:spcPct val="100000"/>
+              </a:lnSpc>
+              <a:spcBef>
+                <a:spcPts val="0"/>
+              </a:spcBef>
+              <a:spcAft>
+                <a:spcPts val="0"/>
+              </a:spcAft>
+              <a:buClrTx/>
+              <a:buSzTx/>
+              <a:buFont typeface="Arial" charset="0"/>
+              <a:buChar char="•"/>
+              <a:tabLst/>
+              <a:defRPr/>
+            </a:pPr>
+            <a:endParaRPr lang="en-US" sz="1200" b="0" kern="1200" dirty="0" smtClean="0">
+              <a:solidFill>
+                <a:schemeClr val="tx1"/>
+              </a:solidFill>
+              <a:effectLst/>
+              <a:latin typeface="+mn-lt"/>
+              <a:ea typeface="+mn-ea"/>
+              <a:cs typeface="+mn-cs"/>
+            </a:endParaRPr>
+          </a:p>
+          <a:p>
+            <a:pPr marL="171450" marR="0" indent="-171450" algn="l" defTabSz="914400" rtl="0" eaLnBrk="1" fontAlgn="auto" latinLnBrk="0" hangingPunct="1">
+              <a:lnSpc>
+                <a:spcPct val="100000"/>
+              </a:lnSpc>
+              <a:spcBef>
+                <a:spcPts val="0"/>
+              </a:spcBef>
+              <a:spcAft>
+                <a:spcPts val="0"/>
+              </a:spcAft>
+              <a:buClrTx/>
+              <a:buSzTx/>
+              <a:buFont typeface="Arial" charset="0"/>
+              <a:buChar char="•"/>
+              <a:tabLst/>
+              <a:defRPr/>
+            </a:pPr>
+            <a:r>
+              <a:rPr lang="en-US" sz="1200" b="0" kern="1200" dirty="0" smtClean="0">
+                <a:solidFill>
+                  <a:schemeClr val="tx1"/>
+                </a:solidFill>
+                <a:effectLst/>
+                <a:latin typeface="+mn-lt"/>
+                <a:ea typeface="+mn-ea"/>
+                <a:cs typeface="+mn-cs"/>
+              </a:rPr>
+              <a:t>Frame width </a:t>
+            </a:r>
+            <a:r>
+              <a:rPr lang="en-US" sz="1200" b="0" kern="1200" baseline="0" dirty="0" smtClean="0">
+                <a:solidFill>
+                  <a:schemeClr val="tx1"/>
+                </a:solidFill>
+                <a:effectLst/>
+                <a:latin typeface="+mn-lt"/>
+                <a:ea typeface="+mn-ea"/>
+                <a:cs typeface="+mn-cs"/>
+              </a:rPr>
+              <a:t>is calculated by taking the width of the sprite sheet and dividing by the number of </a:t>
+            </a:r>
+            <a:r>
+              <a:rPr lang="en-US" sz="1200" b="0" kern="1200" baseline="0" dirty="0" smtClean="0">
+                <a:solidFill>
+                  <a:schemeClr val="tx1"/>
+                </a:solidFill>
+                <a:effectLst/>
+                <a:latin typeface="+mn-lt"/>
+                <a:ea typeface="+mn-ea"/>
+                <a:cs typeface="+mn-cs"/>
+              </a:rPr>
+              <a:t>frames</a:t>
+            </a:r>
+          </a:p>
+          <a:p>
+            <a:pPr marL="171450" marR="0" indent="-171450" algn="l" defTabSz="914400" rtl="0" eaLnBrk="1" fontAlgn="auto" latinLnBrk="0" hangingPunct="1">
+              <a:lnSpc>
+                <a:spcPct val="100000"/>
+              </a:lnSpc>
+              <a:spcBef>
+                <a:spcPts val="0"/>
+              </a:spcBef>
+              <a:spcAft>
+                <a:spcPts val="0"/>
+              </a:spcAft>
+              <a:buClrTx/>
+              <a:buSzTx/>
+              <a:buFont typeface="Arial" charset="0"/>
+              <a:buChar char="•"/>
+              <a:tabLst/>
+              <a:defRPr/>
+            </a:pPr>
+            <a:endParaRPr lang="en-US" sz="1200" b="0" kern="1200" baseline="0" dirty="0" smtClean="0">
+              <a:solidFill>
+                <a:schemeClr val="tx1"/>
+              </a:solidFill>
+              <a:effectLst/>
+              <a:latin typeface="+mn-lt"/>
+              <a:ea typeface="+mn-ea"/>
+              <a:cs typeface="+mn-cs"/>
+            </a:endParaRPr>
+          </a:p>
+          <a:p>
+            <a:pPr marL="171450" marR="0" indent="-171450" algn="l" defTabSz="914400" rtl="0" eaLnBrk="1" fontAlgn="auto" latinLnBrk="0" hangingPunct="1">
+              <a:lnSpc>
+                <a:spcPct val="100000"/>
+              </a:lnSpc>
+              <a:spcBef>
+                <a:spcPts val="0"/>
+              </a:spcBef>
+              <a:spcAft>
+                <a:spcPts val="0"/>
+              </a:spcAft>
+              <a:buClrTx/>
+              <a:buSzTx/>
+              <a:buFont typeface="Arial" charset="0"/>
+              <a:buChar char="•"/>
+              <a:tabLst/>
+              <a:defRPr/>
+            </a:pPr>
+            <a:r>
+              <a:rPr lang="en-US" sz="1200" b="0" kern="1200" baseline="0" dirty="0" err="1" smtClean="0">
+                <a:solidFill>
+                  <a:schemeClr val="tx1"/>
+                </a:solidFill>
+                <a:effectLst/>
+                <a:latin typeface="+mn-lt"/>
+                <a:ea typeface="+mn-ea"/>
+                <a:cs typeface="+mn-cs"/>
+              </a:rPr>
+              <a:t>xLocation</a:t>
+            </a:r>
+            <a:r>
+              <a:rPr lang="en-US" sz="1200" b="0" kern="1200" baseline="0" dirty="0" smtClean="0">
+                <a:solidFill>
+                  <a:schemeClr val="tx1"/>
+                </a:solidFill>
+                <a:effectLst/>
+                <a:latin typeface="+mn-lt"/>
+                <a:ea typeface="+mn-ea"/>
+                <a:cs typeface="+mn-cs"/>
+              </a:rPr>
+              <a:t> and </a:t>
+            </a:r>
+            <a:r>
+              <a:rPr lang="en-US" sz="1200" b="0" kern="1200" baseline="0" dirty="0" err="1" smtClean="0">
+                <a:solidFill>
+                  <a:schemeClr val="tx1"/>
+                </a:solidFill>
+                <a:effectLst/>
+                <a:latin typeface="+mn-lt"/>
+                <a:ea typeface="+mn-ea"/>
+                <a:cs typeface="+mn-cs"/>
+              </a:rPr>
+              <a:t>yLocation</a:t>
+            </a:r>
+            <a:r>
+              <a:rPr lang="en-US" sz="1200" b="0" kern="1200" baseline="0" dirty="0" smtClean="0">
+                <a:solidFill>
+                  <a:schemeClr val="tx1"/>
+                </a:solidFill>
+                <a:effectLst/>
+                <a:latin typeface="+mn-lt"/>
+                <a:ea typeface="+mn-ea"/>
+                <a:cs typeface="+mn-cs"/>
+              </a:rPr>
+              <a:t> is where we are drawing on the canvas, usually the form</a:t>
+            </a:r>
+          </a:p>
+          <a:p>
+            <a:pPr marL="171450" marR="0" indent="-171450" algn="l" defTabSz="914400" rtl="0" eaLnBrk="1" fontAlgn="auto" latinLnBrk="0" hangingPunct="1">
+              <a:lnSpc>
+                <a:spcPct val="100000"/>
+              </a:lnSpc>
+              <a:spcBef>
+                <a:spcPts val="0"/>
+              </a:spcBef>
+              <a:spcAft>
+                <a:spcPts val="0"/>
+              </a:spcAft>
+              <a:buClrTx/>
+              <a:buSzTx/>
+              <a:buFont typeface="Arial" charset="0"/>
+              <a:buChar char="•"/>
+              <a:tabLst/>
+              <a:defRPr/>
+            </a:pPr>
+            <a:endParaRPr lang="en-US" sz="1200" b="0" kern="1200" baseline="0" dirty="0" smtClean="0">
+              <a:solidFill>
+                <a:schemeClr val="tx1"/>
+              </a:solidFill>
+              <a:effectLst/>
+              <a:latin typeface="+mn-lt"/>
+              <a:ea typeface="+mn-ea"/>
+              <a:cs typeface="+mn-cs"/>
+            </a:endParaRPr>
+          </a:p>
+          <a:p>
+            <a:pPr marL="171450" marR="0" indent="-171450" algn="l" defTabSz="914400" rtl="0" eaLnBrk="1" fontAlgn="auto" latinLnBrk="0" hangingPunct="1">
+              <a:lnSpc>
+                <a:spcPct val="100000"/>
+              </a:lnSpc>
+              <a:spcBef>
+                <a:spcPts val="0"/>
+              </a:spcBef>
+              <a:spcAft>
+                <a:spcPts val="0"/>
+              </a:spcAft>
+              <a:buClrTx/>
+              <a:buSzTx/>
+              <a:buFont typeface="Arial" charset="0"/>
+              <a:buChar char="•"/>
+              <a:tabLst/>
+              <a:defRPr/>
+            </a:pPr>
+            <a:r>
+              <a:rPr lang="en-US" sz="1200" b="0" kern="1200" baseline="0" dirty="0" smtClean="0">
+                <a:solidFill>
+                  <a:schemeClr val="tx1"/>
+                </a:solidFill>
+                <a:effectLst/>
+                <a:latin typeface="+mn-lt"/>
+                <a:ea typeface="+mn-ea"/>
+                <a:cs typeface="+mn-cs"/>
+              </a:rPr>
+              <a:t>Rectangle is four values – X, Y, width and height of the what you want to draw on the canvas</a:t>
+            </a:r>
+          </a:p>
+          <a:p>
+            <a:pPr marL="171450" marR="0" indent="-171450" algn="l" defTabSz="914400" rtl="0" eaLnBrk="1" fontAlgn="auto" latinLnBrk="0" hangingPunct="1">
+              <a:lnSpc>
+                <a:spcPct val="100000"/>
+              </a:lnSpc>
+              <a:spcBef>
+                <a:spcPts val="0"/>
+              </a:spcBef>
+              <a:spcAft>
+                <a:spcPts val="0"/>
+              </a:spcAft>
+              <a:buClrTx/>
+              <a:buSzTx/>
+              <a:buFont typeface="Arial" charset="0"/>
+              <a:buChar char="•"/>
+              <a:tabLst/>
+              <a:defRPr/>
+            </a:pPr>
+            <a:endParaRPr lang="en-US" sz="1200" b="0" kern="1200" baseline="0" dirty="0" smtClean="0">
+              <a:solidFill>
+                <a:schemeClr val="tx1"/>
+              </a:solidFill>
+              <a:effectLst/>
+              <a:latin typeface="+mn-lt"/>
+              <a:ea typeface="+mn-ea"/>
+              <a:cs typeface="+mn-cs"/>
+            </a:endParaRPr>
+          </a:p>
+          <a:p>
+            <a:pPr marL="171450" marR="0" indent="-171450" algn="l" defTabSz="914400" rtl="0" eaLnBrk="1" fontAlgn="auto" latinLnBrk="0" hangingPunct="1">
+              <a:lnSpc>
+                <a:spcPct val="100000"/>
+              </a:lnSpc>
+              <a:spcBef>
+                <a:spcPts val="0"/>
+              </a:spcBef>
+              <a:spcAft>
+                <a:spcPts val="0"/>
+              </a:spcAft>
+              <a:buClrTx/>
+              <a:buSzTx/>
+              <a:buFont typeface="Arial" charset="0"/>
+              <a:buChar char="•"/>
+              <a:tabLst/>
+              <a:defRPr/>
+            </a:pPr>
+            <a:r>
+              <a:rPr lang="en-US" sz="1200" b="0" kern="1200" baseline="0" dirty="0" err="1" smtClean="0">
+                <a:solidFill>
+                  <a:schemeClr val="tx1"/>
+                </a:solidFill>
+                <a:effectLst/>
+                <a:latin typeface="+mn-lt"/>
+                <a:ea typeface="+mn-ea"/>
+                <a:cs typeface="+mn-cs"/>
+              </a:rPr>
+              <a:t>GraphicsUnit</a:t>
+            </a:r>
+            <a:r>
+              <a:rPr lang="en-US" sz="1200" b="0" kern="1200" baseline="0" dirty="0" smtClean="0">
+                <a:solidFill>
+                  <a:schemeClr val="tx1"/>
+                </a:solidFill>
+                <a:effectLst/>
+                <a:latin typeface="+mn-lt"/>
+                <a:ea typeface="+mn-ea"/>
+                <a:cs typeface="+mn-cs"/>
+              </a:rPr>
+              <a:t> tells it that we are using </a:t>
+            </a:r>
+            <a:r>
+              <a:rPr lang="en-US" sz="1200" b="0" kern="1200" baseline="0" dirty="0" err="1" smtClean="0">
+                <a:solidFill>
+                  <a:schemeClr val="tx1"/>
+                </a:solidFill>
+                <a:effectLst/>
+                <a:latin typeface="+mn-lt"/>
+                <a:ea typeface="+mn-ea"/>
+                <a:cs typeface="+mn-cs"/>
+              </a:rPr>
+              <a:t>px</a:t>
+            </a:r>
+            <a:r>
+              <a:rPr lang="en-US" sz="1200" b="0" kern="1200" baseline="0" dirty="0" smtClean="0">
+                <a:solidFill>
+                  <a:schemeClr val="tx1"/>
+                </a:solidFill>
+                <a:effectLst/>
+                <a:latin typeface="+mn-lt"/>
+                <a:ea typeface="+mn-ea"/>
+                <a:cs typeface="+mn-cs"/>
+              </a:rPr>
+              <a:t> rather than other units such as cm and </a:t>
+            </a:r>
+            <a:r>
+              <a:rPr lang="en-US" sz="1200" b="0" kern="1200" baseline="0" dirty="0" err="1" smtClean="0">
+                <a:solidFill>
+                  <a:schemeClr val="tx1"/>
+                </a:solidFill>
+                <a:effectLst/>
+                <a:latin typeface="+mn-lt"/>
+                <a:ea typeface="+mn-ea"/>
+                <a:cs typeface="+mn-cs"/>
+              </a:rPr>
+              <a:t>em</a:t>
+            </a:r>
+            <a:endParaRPr lang="en-US" sz="1200" b="0" kern="1200" baseline="0" dirty="0" smtClean="0">
+              <a:solidFill>
+                <a:schemeClr val="tx1"/>
+              </a:solidFill>
+              <a:effectLst/>
+              <a:latin typeface="+mn-lt"/>
+              <a:ea typeface="+mn-ea"/>
+              <a:cs typeface="+mn-cs"/>
+            </a:endParaRPr>
+          </a:p>
+          <a:p>
+            <a:pPr marL="171450" marR="0" indent="-171450" algn="l" defTabSz="914400" rtl="0" eaLnBrk="1" fontAlgn="auto" latinLnBrk="0" hangingPunct="1">
+              <a:lnSpc>
+                <a:spcPct val="100000"/>
+              </a:lnSpc>
+              <a:spcBef>
+                <a:spcPts val="0"/>
+              </a:spcBef>
+              <a:spcAft>
+                <a:spcPts val="0"/>
+              </a:spcAft>
+              <a:buClrTx/>
+              <a:buSzTx/>
+              <a:buFont typeface="Arial" charset="0"/>
+              <a:buChar char="•"/>
+              <a:tabLst/>
+              <a:defRPr/>
+            </a:pPr>
             <a:endParaRPr lang="en-US" sz="1200" b="0" kern="1200" dirty="0" smtClean="0">
               <a:solidFill>
                 <a:schemeClr val="tx1"/>
@@ -1102,6 +2170,102 @@
               <a:buFont typeface="Arial" charset="0"/>
               <a:buChar char="•"/>
             </a:pPr>
+            <a:r>
+              <a:rPr lang="en-US" sz="1200" kern="1200" dirty="0" smtClean="0">
+                <a:solidFill>
+                  <a:schemeClr val="tx1"/>
+                </a:solidFill>
+                <a:effectLst/>
+                <a:latin typeface="+mn-lt"/>
+                <a:ea typeface="+mn-ea"/>
+                <a:cs typeface="+mn-cs"/>
+              </a:rPr>
+              <a:t>Let’s see if we can draw just a portion of this very big </a:t>
+            </a:r>
+            <a:r>
+              <a:rPr lang="en-US" sz="1200" kern="1200" dirty="0" smtClean="0">
+                <a:solidFill>
+                  <a:schemeClr val="tx1"/>
+                </a:solidFill>
+                <a:effectLst/>
+                <a:latin typeface="+mn-lt"/>
+                <a:ea typeface="+mn-ea"/>
+                <a:cs typeface="+mn-cs"/>
+              </a:rPr>
+              <a:t>image</a:t>
+            </a:r>
+          </a:p>
+          <a:p>
+            <a:pPr marL="171450" indent="-171450">
+              <a:buFont typeface="Arial" charset="0"/>
+              <a:buChar char="•"/>
+            </a:pPr>
+            <a:endParaRPr lang="en-US" sz="1200" kern="1200" dirty="0" smtClean="0">
+              <a:solidFill>
+                <a:schemeClr val="tx1"/>
+              </a:solidFill>
+              <a:effectLst/>
+              <a:latin typeface="+mn-lt"/>
+              <a:ea typeface="+mn-ea"/>
+              <a:cs typeface="+mn-cs"/>
+            </a:endParaRPr>
+          </a:p>
+          <a:p>
+            <a:pPr marL="171450" indent="-171450">
+              <a:buFont typeface="Arial" charset="0"/>
+              <a:buChar char="•"/>
+            </a:pPr>
+            <a:r>
+              <a:rPr lang="en-US" sz="1200" kern="1200" dirty="0" smtClean="0">
+                <a:solidFill>
+                  <a:schemeClr val="tx1"/>
+                </a:solidFill>
+                <a:effectLst/>
+                <a:latin typeface="+mn-lt"/>
+                <a:ea typeface="+mn-ea"/>
+                <a:cs typeface="+mn-cs"/>
+              </a:rPr>
+              <a:t>Say starting at 1000, 400 of the image and being 200 wide and 200 high</a:t>
+            </a:r>
+          </a:p>
+          <a:p>
+            <a:pPr marL="171450" indent="-171450">
+              <a:buFont typeface="Arial" charset="0"/>
+              <a:buChar char="•"/>
+            </a:pPr>
+            <a:endParaRPr lang="en-US" sz="1200" kern="1200" dirty="0" smtClean="0">
+              <a:solidFill>
+                <a:schemeClr val="tx1"/>
+              </a:solidFill>
+              <a:effectLst/>
+              <a:latin typeface="+mn-lt"/>
+              <a:ea typeface="+mn-ea"/>
+              <a:cs typeface="+mn-cs"/>
+            </a:endParaRPr>
+          </a:p>
+          <a:p>
+            <a:pPr marL="171450" indent="-171450">
+              <a:buFont typeface="Arial" charset="0"/>
+              <a:buChar char="•"/>
+            </a:pPr>
+            <a:r>
+              <a:rPr lang="en-US" sz="1200" kern="1200" dirty="0" smtClean="0">
+                <a:solidFill>
+                  <a:schemeClr val="tx1"/>
+                </a:solidFill>
+                <a:effectLst/>
+                <a:latin typeface="+mn-lt"/>
+                <a:ea typeface="+mn-ea"/>
+                <a:cs typeface="+mn-cs"/>
+              </a:rPr>
+              <a:t>We will draw that piece of the gecko onto the Form</a:t>
+            </a:r>
+          </a:p>
+          <a:p>
+            <a:pPr marL="171450" indent="-171450">
+              <a:buFont typeface="Arial" charset="0"/>
+              <a:buChar char="•"/>
+            </a:pPr>
             <a:endParaRPr lang="en-US" sz="1200" b="0" kern="1200" dirty="0" smtClean="0">
               <a:solidFill>
                 <a:schemeClr val="tx1"/>
@@ -1195,6 +2359,125 @@
           <a:lstStyle/>
           <a:p>
             <a:pPr marL="171450" indent="-171450">
+              <a:buFont typeface="Arial" pitchFamily="34" charset="0"/>
+              <a:buChar char="•"/>
+            </a:pPr>
+            <a:r>
+              <a:rPr lang="en-NZ" dirty="0" smtClean="0"/>
+              <a:t>This will copy the area of the gecko image with</a:t>
+            </a:r>
+            <a:r>
+              <a:rPr lang="en-NZ" baseline="0" dirty="0" smtClean="0"/>
+              <a:t> upper left at 1000, 400 and lower right at 1200, 600.</a:t>
+            </a:r>
+          </a:p>
+          <a:p>
+            <a:pPr marL="171450" indent="-171450">
+              <a:buFont typeface="Arial" pitchFamily="34" charset="0"/>
+              <a:buChar char="•"/>
+            </a:pPr>
+            <a:endParaRPr lang="en-NZ" baseline="0" dirty="0" smtClean="0"/>
+          </a:p>
+          <a:p>
+            <a:pPr marL="171450" indent="-171450">
+              <a:buFont typeface="Arial" pitchFamily="34" charset="0"/>
+              <a:buChar char="•"/>
+            </a:pPr>
+            <a:r>
+              <a:rPr lang="en-NZ" baseline="0" dirty="0" smtClean="0"/>
+              <a:t>It will draw those pixels at location 150, 100 on the Form.</a:t>
+            </a:r>
+          </a:p>
+          <a:p>
+            <a:pPr marL="171450" indent="-171450">
+              <a:buFont typeface="Arial" pitchFamily="34" charset="0"/>
+              <a:buChar char="•"/>
+            </a:pPr>
+            <a:endParaRPr lang="en-NZ" baseline="0" dirty="0" smtClean="0"/>
+          </a:p>
+          <a:p>
+            <a:pPr marL="171450" indent="-171450">
+              <a:buFont typeface="Arial" pitchFamily="34" charset="0"/>
+              <a:buChar char="•"/>
+            </a:pPr>
+            <a:r>
+              <a:rPr lang="en-NZ" baseline="0" dirty="0" smtClean="0"/>
+              <a:t>1000, 400 is in the image’s coordinate space and 150, 100 is in the Form’s</a:t>
+            </a:r>
+          </a:p>
+          <a:p>
+            <a:pPr marL="171450" indent="-171450">
+              <a:buFont typeface="Arial" pitchFamily="34" charset="0"/>
+              <a:buChar char="•"/>
+            </a:pPr>
+            <a:endParaRPr lang="en-NZ" baseline="0" dirty="0" smtClean="0"/>
+          </a:p>
+          <a:p>
+            <a:pPr marL="171450" indent="-171450">
+              <a:buFont typeface="Arial" pitchFamily="34" charset="0"/>
+              <a:buChar char="•"/>
+            </a:pPr>
+            <a:r>
+              <a:rPr lang="en-NZ" baseline="0" dirty="0" smtClean="0"/>
+              <a:t>Note that Rectangle is a primitive in C++/CLI. You don’t </a:t>
+            </a:r>
+            <a:r>
+              <a:rPr lang="en-NZ" baseline="0" dirty="0" err="1" smtClean="0"/>
+              <a:t>gcnew</a:t>
+            </a:r>
+            <a:r>
+              <a:rPr lang="en-NZ" baseline="0" dirty="0" smtClean="0"/>
+              <a:t> it.</a:t>
+            </a:r>
+          </a:p>
+          <a:p>
+            <a:pPr marL="171450" indent="-171450">
+              <a:buFont typeface="Arial" pitchFamily="34" charset="0"/>
+              <a:buChar char="•"/>
+            </a:pPr>
+            <a:endParaRPr lang="en-NZ" baseline="0" dirty="0" smtClean="0"/>
+          </a:p>
+          <a:p>
+            <a:pPr marL="171450" marR="0" indent="-171450" algn="l" defTabSz="914400" rtl="0" eaLnBrk="0" fontAlgn="base" latinLnBrk="0" hangingPunct="0">
+              <a:lnSpc>
+                <a:spcPct val="100000"/>
+              </a:lnSpc>
+              <a:spcBef>
+                <a:spcPct val="30000"/>
+              </a:spcBef>
+              <a:spcAft>
+                <a:spcPct val="0"/>
+              </a:spcAft>
+              <a:buClrTx/>
+              <a:buSzTx/>
+              <a:buFont typeface="Arial" pitchFamily="34" charset="0"/>
+              <a:buChar char="•"/>
+              <a:tabLst/>
+              <a:defRPr/>
+            </a:pPr>
+            <a:r>
+              <a:rPr lang="en-NZ" dirty="0" smtClean="0"/>
+              <a:t>Note </a:t>
+            </a:r>
+            <a:r>
+              <a:rPr lang="en-NZ" dirty="0" err="1" smtClean="0"/>
+              <a:t>GraphicsUnit</a:t>
+            </a:r>
+            <a:r>
+              <a:rPr lang="en-NZ" dirty="0" smtClean="0"/>
+              <a:t>::Pixel. That is one of the .NET </a:t>
+            </a:r>
+            <a:r>
+              <a:rPr lang="en-NZ" dirty="0" err="1" smtClean="0"/>
+              <a:t>enum</a:t>
+            </a:r>
+            <a:r>
+              <a:rPr lang="en-NZ" dirty="0" smtClean="0"/>
+              <a:t> types. You will do this sort of thing a lot when working with .NET.</a:t>
+            </a:r>
+          </a:p>
+          <a:p>
+            <a:pPr marL="171450" indent="-171450">
               <a:buFont typeface="Arial" charset="0"/>
               <a:buChar char="•"/>
             </a:pPr>
@@ -1307,6 +2590,167 @@
               <a:tabLst/>
               <a:defRPr/>
             </a:pPr>
+            <a:r>
+              <a:rPr lang="en-US" dirty="0" smtClean="0"/>
+              <a:t>For</a:t>
+            </a:r>
+            <a:r>
+              <a:rPr lang="en-US" baseline="0" dirty="0" smtClean="0"/>
+              <a:t> example, blobbo is 32 x 32 pixels </a:t>
+            </a:r>
+            <a:r>
+              <a:rPr lang="mr-IN" baseline="0" dirty="0" smtClean="0"/>
+              <a:t>–</a:t>
+            </a:r>
+            <a:r>
+              <a:rPr lang="en-US" baseline="0" dirty="0" smtClean="0"/>
+              <a:t> frames are often square, but don’t have to be</a:t>
+            </a:r>
+          </a:p>
+          <a:p>
+            <a:pPr marL="171450" marR="0" indent="-171450" algn="l" defTabSz="914400" rtl="0" eaLnBrk="1" fontAlgn="auto" latinLnBrk="0" hangingPunct="1">
+              <a:lnSpc>
+                <a:spcPct val="100000"/>
+              </a:lnSpc>
+              <a:spcBef>
+                <a:spcPts val="0"/>
+              </a:spcBef>
+              <a:spcAft>
+                <a:spcPts val="0"/>
+              </a:spcAft>
+              <a:buClrTx/>
+              <a:buSzTx/>
+              <a:buFont typeface="Arial" charset="0"/>
+              <a:buChar char="•"/>
+              <a:tabLst/>
+              <a:defRPr/>
+            </a:pPr>
+            <a:endParaRPr lang="en-US" baseline="0" dirty="0" smtClean="0"/>
+          </a:p>
+          <a:p>
+            <a:pPr marL="171450" marR="0" indent="-171450" algn="l" defTabSz="914400" rtl="0" eaLnBrk="1" fontAlgn="auto" latinLnBrk="0" hangingPunct="1">
+              <a:lnSpc>
+                <a:spcPct val="100000"/>
+              </a:lnSpc>
+              <a:spcBef>
+                <a:spcPts val="0"/>
+              </a:spcBef>
+              <a:spcAft>
+                <a:spcPts val="0"/>
+              </a:spcAft>
+              <a:buClrTx/>
+              <a:buSzTx/>
+              <a:buFont typeface="Arial" charset="0"/>
+              <a:buChar char="•"/>
+              <a:tabLst/>
+              <a:defRPr/>
+            </a:pPr>
+            <a:r>
+              <a:rPr lang="en-US" sz="1200" kern="1200" dirty="0" smtClean="0">
+                <a:solidFill>
+                  <a:schemeClr val="tx1"/>
+                </a:solidFill>
+                <a:effectLst/>
+                <a:latin typeface="+mn-lt"/>
+                <a:ea typeface="+mn-ea"/>
+                <a:cs typeface="+mn-cs"/>
+              </a:rPr>
+              <a:t>For reasons that will become clear, we think of the frames as being numbered from 0 to n-1, like the locations in an array</a:t>
+            </a:r>
+          </a:p>
+          <a:p>
+            <a:pPr marL="171450" marR="0" indent="-171450" algn="l" defTabSz="914400" rtl="0" eaLnBrk="1" fontAlgn="auto" latinLnBrk="0" hangingPunct="1">
+              <a:lnSpc>
+                <a:spcPct val="100000"/>
+              </a:lnSpc>
+              <a:spcBef>
+                <a:spcPts val="0"/>
+              </a:spcBef>
+              <a:spcAft>
+                <a:spcPts val="0"/>
+              </a:spcAft>
+              <a:buClrTx/>
+              <a:buSzTx/>
+              <a:buFont typeface="Arial" charset="0"/>
+              <a:buChar char="•"/>
+              <a:tabLst/>
+              <a:defRPr/>
+            </a:pPr>
+            <a:endParaRPr lang="en-US" dirty="0" smtClean="0"/>
+          </a:p>
+          <a:p>
+            <a:pPr marL="171450" marR="0" indent="-171450" algn="l" defTabSz="914400" rtl="0" eaLnBrk="1" fontAlgn="auto" latinLnBrk="0" hangingPunct="1">
+              <a:lnSpc>
+                <a:spcPct val="100000"/>
+              </a:lnSpc>
+              <a:spcBef>
+                <a:spcPts val="0"/>
+              </a:spcBef>
+              <a:spcAft>
+                <a:spcPts val="0"/>
+              </a:spcAft>
+              <a:buClrTx/>
+              <a:buSzTx/>
+              <a:buFont typeface="Arial" charset="0"/>
+              <a:buChar char="•"/>
+              <a:tabLst/>
+              <a:defRPr/>
+            </a:pPr>
+            <a:r>
+              <a:rPr lang="en-US" sz="1200" kern="1200" dirty="0" smtClean="0">
+                <a:solidFill>
+                  <a:schemeClr val="tx1"/>
+                </a:solidFill>
+                <a:effectLst/>
+                <a:latin typeface="+mn-lt"/>
+                <a:ea typeface="+mn-ea"/>
+                <a:cs typeface="+mn-cs"/>
+              </a:rPr>
+              <a:t>What are the pixel rectangles, </a:t>
+            </a:r>
+            <a:r>
+              <a:rPr lang="en-US" sz="1200" b="1" i="1" kern="1200" dirty="0" smtClean="0">
+                <a:solidFill>
+                  <a:schemeClr val="tx1"/>
+                </a:solidFill>
+                <a:effectLst/>
+                <a:latin typeface="+mn-lt"/>
+                <a:ea typeface="+mn-ea"/>
+                <a:cs typeface="+mn-cs"/>
+              </a:rPr>
+              <a:t>in the coordinate space of the sprite sheet</a:t>
+            </a:r>
+            <a:r>
+              <a:rPr lang="en-US" sz="1200" kern="1200" dirty="0" smtClean="0">
+                <a:solidFill>
+                  <a:schemeClr val="tx1"/>
+                </a:solidFill>
+                <a:effectLst/>
+                <a:latin typeface="+mn-lt"/>
+                <a:ea typeface="+mn-ea"/>
+                <a:cs typeface="+mn-cs"/>
+              </a:rPr>
+              <a:t> that we want to display?</a:t>
+            </a:r>
+          </a:p>
+          <a:p>
+            <a:pPr marL="171450" marR="0" indent="-171450" algn="l" defTabSz="914400" rtl="0" eaLnBrk="1" fontAlgn="auto" latinLnBrk="0" hangingPunct="1">
+              <a:lnSpc>
+                <a:spcPct val="100000"/>
+              </a:lnSpc>
+              <a:spcBef>
+                <a:spcPts val="0"/>
+              </a:spcBef>
+              <a:spcAft>
+                <a:spcPts val="0"/>
+              </a:spcAft>
+              <a:buClrTx/>
+              <a:buSzTx/>
+              <a:buFont typeface="Arial" charset="0"/>
+              <a:buChar char="•"/>
+              <a:tabLst/>
+              <a:defRPr/>
+            </a:pPr>
             <a:endParaRPr lang="en-US" dirty="0" smtClean="0"/>
           </a:p>
         </p:txBody>
@@ -1391,6 +2835,157 @@
           <a:bodyPr/>
           <a:lstStyle/>
           <a:p>
+            <a:pPr marL="171450" indent="-171450">
+              <a:buFont typeface="Arial" charset="0"/>
+              <a:buChar char="•"/>
+            </a:pPr>
+            <a:r>
+              <a:rPr lang="en-US" sz="1200" kern="1200" dirty="0" smtClean="0">
+                <a:solidFill>
+                  <a:schemeClr val="tx1"/>
+                </a:solidFill>
+                <a:effectLst/>
+                <a:latin typeface="+mn-lt"/>
+                <a:ea typeface="+mn-ea"/>
+                <a:cs typeface="+mn-cs"/>
+              </a:rPr>
+              <a:t>We draw each frame at 100, 100 on the form. But the pixels we are taking from the image are changing</a:t>
+            </a:r>
+          </a:p>
+          <a:p>
+            <a:pPr marL="171450" marR="0" indent="-171450" algn="l" defTabSz="914400" rtl="0" eaLnBrk="1" fontAlgn="auto" latinLnBrk="0" hangingPunct="1">
+              <a:lnSpc>
+                <a:spcPct val="100000"/>
+              </a:lnSpc>
+              <a:spcBef>
+                <a:spcPts val="0"/>
+              </a:spcBef>
+              <a:spcAft>
+                <a:spcPts val="0"/>
+              </a:spcAft>
+              <a:buClrTx/>
+              <a:buSzTx/>
+              <a:buFont typeface="Arial" charset="0"/>
+              <a:buChar char="•"/>
+              <a:tabLst/>
+              <a:defRPr/>
+            </a:pPr>
+            <a:endParaRPr lang="en-US" dirty="0" smtClean="0"/>
+          </a:p>
+          <a:p>
+            <a:pPr marL="171450" indent="-171450">
+              <a:buFont typeface="Arial" charset="0"/>
+              <a:buChar char="•"/>
+            </a:pPr>
+            <a:r>
+              <a:rPr lang="en-US" sz="1200" kern="1200" dirty="0" smtClean="0">
+                <a:solidFill>
+                  <a:schemeClr val="tx1"/>
+                </a:solidFill>
+                <a:effectLst/>
+                <a:latin typeface="+mn-lt"/>
+                <a:ea typeface="+mn-ea"/>
+                <a:cs typeface="+mn-cs"/>
+              </a:rPr>
+              <a:t>Now what if we want to add this behaviour to a Sprite class. We want our Sprite class to be able to draw itself</a:t>
+            </a:r>
+          </a:p>
+          <a:p>
+            <a:endParaRPr lang="en-US" sz="1200" kern="1200" dirty="0" smtClean="0">
+              <a:solidFill>
+                <a:schemeClr val="tx1"/>
+              </a:solidFill>
+              <a:effectLst/>
+              <a:latin typeface="+mn-lt"/>
+              <a:ea typeface="+mn-ea"/>
+              <a:cs typeface="+mn-cs"/>
+            </a:endParaRPr>
+          </a:p>
+          <a:p>
+            <a:pPr marL="171450" indent="-171450">
+              <a:buFont typeface="Arial" charset="0"/>
+              <a:buChar char="•"/>
+            </a:pPr>
+            <a:r>
+              <a:rPr lang="en-US" sz="1200" kern="1200" dirty="0" smtClean="0">
+                <a:solidFill>
+                  <a:schemeClr val="tx1"/>
+                </a:solidFill>
+                <a:effectLst/>
+                <a:latin typeface="+mn-lt"/>
+                <a:ea typeface="+mn-ea"/>
+                <a:cs typeface="+mn-cs"/>
+              </a:rPr>
+              <a:t>Each time we call its draw method, we want to see the next frame</a:t>
+            </a:r>
+          </a:p>
+          <a:p>
+            <a:pPr marL="171450" indent="-171450">
+              <a:buFont typeface="Arial" charset="0"/>
+              <a:buChar char="•"/>
+            </a:pPr>
+            <a:endParaRPr lang="en-US" sz="1200" kern="1200" dirty="0" smtClean="0">
+              <a:solidFill>
+                <a:schemeClr val="tx1"/>
+              </a:solidFill>
+              <a:effectLst/>
+              <a:latin typeface="+mn-lt"/>
+              <a:ea typeface="+mn-ea"/>
+              <a:cs typeface="+mn-cs"/>
+            </a:endParaRPr>
+          </a:p>
+          <a:p>
+            <a:pPr marL="171450" indent="-171450">
+              <a:buFont typeface="Arial" charset="0"/>
+              <a:buChar char="•"/>
+            </a:pPr>
+            <a:r>
+              <a:rPr lang="en-US" sz="1200" kern="1200" dirty="0" smtClean="0">
+                <a:solidFill>
+                  <a:schemeClr val="tx1"/>
+                </a:solidFill>
+                <a:effectLst/>
+                <a:latin typeface="+mn-lt"/>
+                <a:ea typeface="+mn-ea"/>
+                <a:cs typeface="+mn-cs"/>
+              </a:rPr>
+              <a:t>We call the draw once at each game cycle</a:t>
+            </a:r>
+          </a:p>
+          <a:p>
+            <a:pPr marL="171450" indent="-171450">
+              <a:buFont typeface="Arial" charset="0"/>
+              <a:buChar char="•"/>
+            </a:pPr>
+            <a:endParaRPr lang="en-US" sz="1200" kern="1200" dirty="0" smtClean="0">
+              <a:solidFill>
+                <a:schemeClr val="tx1"/>
+              </a:solidFill>
+              <a:effectLst/>
+              <a:latin typeface="+mn-lt"/>
+              <a:ea typeface="+mn-ea"/>
+              <a:cs typeface="+mn-cs"/>
+            </a:endParaRPr>
+          </a:p>
+          <a:p>
+            <a:pPr marL="171450" indent="-171450">
+              <a:buFont typeface="Arial" charset="0"/>
+              <a:buChar char="•"/>
+            </a:pPr>
+            <a:r>
+              <a:rPr lang="en-US" sz="1200" kern="1200" dirty="0" smtClean="0">
+                <a:solidFill>
+                  <a:schemeClr val="tx1"/>
+                </a:solidFill>
+                <a:effectLst/>
+                <a:latin typeface="+mn-lt"/>
+                <a:ea typeface="+mn-ea"/>
+                <a:cs typeface="+mn-cs"/>
+              </a:rPr>
+              <a:t>So no for loop, and no for loop driver. We need to find a different way to keep track of which frame we are on</a:t>
+            </a:r>
+          </a:p>
+          <a:p>
             <a:pPr marL="171450" marR="0" indent="-171450" algn="l" defTabSz="914400" rtl="0" eaLnBrk="1" fontAlgn="auto" latinLnBrk="0" hangingPunct="1">
               <a:lnSpc>
                 <a:spcPct val="100000"/>
@@ -1698,7 +3293,382 @@
               <a:tabLst/>
               <a:defRPr/>
             </a:pPr>
+            <a:r>
+              <a:rPr lang="en-US" dirty="0" smtClean="0"/>
+              <a:t>As long as we make </a:t>
+            </a:r>
+            <a:r>
+              <a:rPr lang="en-US" dirty="0" err="1" smtClean="0"/>
+              <a:t>currentFrame</a:t>
+            </a:r>
+            <a:r>
+              <a:rPr lang="en-US" dirty="0" smtClean="0"/>
+              <a:t> a class data member, we can update it in one method (</a:t>
+            </a:r>
+            <a:r>
+              <a:rPr lang="en-US" dirty="0" err="1" smtClean="0"/>
+              <a:t>UpdateFrame</a:t>
+            </a:r>
+            <a:r>
+              <a:rPr lang="en-US" dirty="0" smtClean="0"/>
+              <a:t>) and use it in another method (Draw)</a:t>
+            </a:r>
+          </a:p>
+          <a:p>
+            <a:pPr marL="171450" marR="0" indent="-171450" algn="l" defTabSz="914400" rtl="0" eaLnBrk="1" fontAlgn="auto" latinLnBrk="0" hangingPunct="1">
+              <a:lnSpc>
+                <a:spcPct val="100000"/>
+              </a:lnSpc>
+              <a:spcBef>
+                <a:spcPts val="0"/>
+              </a:spcBef>
+              <a:spcAft>
+                <a:spcPts val="0"/>
+              </a:spcAft>
+              <a:buClrTx/>
+              <a:buSzTx/>
+              <a:buFont typeface="Arial" charset="0"/>
+              <a:buChar char="•"/>
+              <a:tabLst/>
+              <a:defRPr/>
+            </a:pPr>
             <a:endParaRPr lang="en-US" dirty="0" smtClean="0"/>
+          </a:p>
+          <a:p>
+            <a:pPr marL="171450" marR="0" indent="-171450" algn="l" defTabSz="914400" rtl="0" eaLnBrk="1" fontAlgn="auto" latinLnBrk="0" hangingPunct="1">
+              <a:lnSpc>
+                <a:spcPct val="100000"/>
+              </a:lnSpc>
+              <a:spcBef>
+                <a:spcPts val="0"/>
+              </a:spcBef>
+              <a:spcAft>
+                <a:spcPts val="0"/>
+              </a:spcAft>
+              <a:buClrTx/>
+              <a:buSzTx/>
+              <a:buFont typeface="Arial" charset="0"/>
+              <a:buChar char="•"/>
+              <a:tabLst/>
+              <a:defRPr/>
+            </a:pPr>
+            <a:r>
+              <a:rPr lang="en-US" dirty="0" smtClean="0"/>
+              <a:t>Assume </a:t>
+            </a:r>
+            <a:r>
+              <a:rPr lang="en-US" dirty="0" err="1" smtClean="0"/>
+              <a:t>blobbo</a:t>
+            </a:r>
+            <a:r>
+              <a:rPr lang="en-US" baseline="0" dirty="0" smtClean="0"/>
+              <a:t> has 8 frames. 0, 1, 2…7 is fine, but when you get to 8, you will be asking for a pixel position that is actually off the sprite sheet – causes flickering</a:t>
+            </a:r>
+          </a:p>
+          <a:p>
+            <a:pPr marL="171450" marR="0" indent="-171450" algn="l" defTabSz="914400" rtl="0" eaLnBrk="1" fontAlgn="auto" latinLnBrk="0" hangingPunct="1">
+              <a:lnSpc>
+                <a:spcPct val="100000"/>
+              </a:lnSpc>
+              <a:spcBef>
+                <a:spcPts val="0"/>
+              </a:spcBef>
+              <a:spcAft>
+                <a:spcPts val="0"/>
+              </a:spcAft>
+              <a:buClrTx/>
+              <a:buSzTx/>
+              <a:buFont typeface="Arial" charset="0"/>
+              <a:buChar char="•"/>
+              <a:tabLst/>
+              <a:defRPr/>
+            </a:pPr>
+            <a:endParaRPr lang="en-US" baseline="0" dirty="0" smtClean="0"/>
+          </a:p>
+          <a:p>
+            <a:pPr marL="171450" marR="0" indent="-171450" algn="l" defTabSz="914400" rtl="0" eaLnBrk="1" fontAlgn="auto" latinLnBrk="0" hangingPunct="1">
+              <a:lnSpc>
+                <a:spcPct val="100000"/>
+              </a:lnSpc>
+              <a:spcBef>
+                <a:spcPts val="0"/>
+              </a:spcBef>
+              <a:spcAft>
+                <a:spcPts val="0"/>
+              </a:spcAft>
+              <a:buClrTx/>
+              <a:buSzTx/>
+              <a:buFont typeface="Arial" charset="0"/>
+              <a:buChar char="•"/>
+              <a:tabLst/>
+              <a:defRPr/>
+            </a:pPr>
+            <a:r>
+              <a:rPr lang="en-US" baseline="0" dirty="0" smtClean="0"/>
+              <a:t>For repeating animation like </a:t>
+            </a:r>
+            <a:r>
+              <a:rPr lang="en-US" baseline="0" dirty="0" err="1" smtClean="0"/>
+              <a:t>blobbo</a:t>
+            </a:r>
+            <a:r>
+              <a:rPr lang="en-US" baseline="0" dirty="0" smtClean="0"/>
+              <a:t>, we need to loop back around from n-1 to 0</a:t>
+            </a:r>
+          </a:p>
+          <a:p>
+            <a:pPr marL="171450" marR="0" indent="-171450" algn="l" defTabSz="914400" rtl="0" eaLnBrk="1" fontAlgn="auto" latinLnBrk="0" hangingPunct="1">
+              <a:lnSpc>
+                <a:spcPct val="100000"/>
+              </a:lnSpc>
+              <a:spcBef>
+                <a:spcPts val="0"/>
+              </a:spcBef>
+              <a:spcAft>
+                <a:spcPts val="0"/>
+              </a:spcAft>
+              <a:buClrTx/>
+              <a:buSzTx/>
+              <a:buFont typeface="Arial" charset="0"/>
+              <a:buChar char="•"/>
+              <a:tabLst/>
+              <a:defRPr/>
+            </a:pPr>
+            <a:endParaRPr lang="en-US" baseline="0" dirty="0" smtClean="0"/>
+          </a:p>
+          <a:p>
+            <a:pPr marL="171450" marR="0" indent="-171450" algn="l" defTabSz="914400" rtl="0" eaLnBrk="1" fontAlgn="auto" latinLnBrk="0" hangingPunct="1">
+              <a:lnSpc>
+                <a:spcPct val="100000"/>
+              </a:lnSpc>
+              <a:spcBef>
+                <a:spcPts val="0"/>
+              </a:spcBef>
+              <a:spcAft>
+                <a:spcPts val="0"/>
+              </a:spcAft>
+              <a:buClrTx/>
+              <a:buSzTx/>
+              <a:buFont typeface="Arial" charset="0"/>
+              <a:buChar char="•"/>
+              <a:tabLst/>
+              <a:defRPr/>
+            </a:pPr>
+            <a:r>
+              <a:rPr lang="en-US" baseline="0" dirty="0" smtClean="0"/>
+              <a:t>That is 0, 1, 2…7, 0, 1…</a:t>
+            </a:r>
+          </a:p>
+          <a:p>
+            <a:pPr marL="171450" marR="0" indent="-171450" algn="l" defTabSz="914400" rtl="0" eaLnBrk="1" fontAlgn="auto" latinLnBrk="0" hangingPunct="1">
+              <a:lnSpc>
+                <a:spcPct val="100000"/>
+              </a:lnSpc>
+              <a:spcBef>
+                <a:spcPts val="0"/>
+              </a:spcBef>
+              <a:spcAft>
+                <a:spcPts val="0"/>
+              </a:spcAft>
+              <a:buClrTx/>
+              <a:buSzTx/>
+              <a:buFont typeface="Arial" charset="0"/>
+              <a:buChar char="•"/>
+              <a:tabLst/>
+              <a:defRPr/>
+            </a:pPr>
+            <a:endParaRPr lang="en-US" baseline="0" dirty="0" smtClean="0"/>
+          </a:p>
+          <a:p>
+            <a:pPr marL="171450" marR="0" indent="-171450" algn="l" defTabSz="914400" rtl="0" eaLnBrk="1" fontAlgn="auto" latinLnBrk="0" hangingPunct="1">
+              <a:lnSpc>
+                <a:spcPct val="100000"/>
+              </a:lnSpc>
+              <a:spcBef>
+                <a:spcPts val="0"/>
+              </a:spcBef>
+              <a:spcAft>
+                <a:spcPts val="0"/>
+              </a:spcAft>
+              <a:buClrTx/>
+              <a:buSzTx/>
+              <a:buFont typeface="Arial" charset="0"/>
+              <a:buChar char="•"/>
+              <a:tabLst/>
+              <a:defRPr/>
+            </a:pPr>
+            <a:r>
+              <a:rPr lang="en-US" baseline="0" dirty="0" smtClean="0"/>
+              <a:t>Fortunately, this is exactly what the modulo operator does. Increment the value by 1 (1 frame) and the take the mod n of that result and when it reaches n, it loops back to 0 – because the remainder of n/n = 0</a:t>
+            </a:r>
+          </a:p>
+          <a:p>
+            <a:pPr marL="171450" marR="0" indent="-171450" algn="l" defTabSz="914400" rtl="0" eaLnBrk="1" fontAlgn="auto" latinLnBrk="0" hangingPunct="1">
+              <a:lnSpc>
+                <a:spcPct val="100000"/>
+              </a:lnSpc>
+              <a:spcBef>
+                <a:spcPts val="0"/>
+              </a:spcBef>
+              <a:spcAft>
+                <a:spcPts val="0"/>
+              </a:spcAft>
+              <a:buClrTx/>
+              <a:buSzTx/>
+              <a:buFont typeface="Arial" charset="0"/>
+              <a:buChar char="•"/>
+              <a:tabLst/>
+              <a:defRPr/>
+            </a:pPr>
+            <a:endParaRPr lang="en-US" baseline="0" dirty="0" smtClean="0"/>
+          </a:p>
+          <a:p>
+            <a:pPr marL="171450" marR="0" indent="-171450" algn="l" defTabSz="914400" rtl="0" eaLnBrk="1" fontAlgn="auto" latinLnBrk="0" hangingPunct="1">
+              <a:lnSpc>
+                <a:spcPct val="100000"/>
+              </a:lnSpc>
+              <a:spcBef>
+                <a:spcPts val="0"/>
+              </a:spcBef>
+              <a:spcAft>
+                <a:spcPts val="0"/>
+              </a:spcAft>
+              <a:buClrTx/>
+              <a:buSzTx/>
+              <a:buFont typeface="Arial" charset="0"/>
+              <a:buChar char="•"/>
+              <a:tabLst/>
+              <a:defRPr/>
+            </a:pPr>
+            <a:r>
+              <a:rPr lang="en-US" baseline="0" dirty="0" smtClean="0"/>
+              <a:t>Questions to ask students:</a:t>
+            </a:r>
+          </a:p>
+          <a:p>
+            <a:pPr marL="628650" marR="0" lvl="1" indent="-171450" algn="l" defTabSz="914400" rtl="0" eaLnBrk="1" fontAlgn="auto" latinLnBrk="0" hangingPunct="1">
+              <a:lnSpc>
+                <a:spcPct val="100000"/>
+              </a:lnSpc>
+              <a:spcBef>
+                <a:spcPts val="0"/>
+              </a:spcBef>
+              <a:spcAft>
+                <a:spcPts val="0"/>
+              </a:spcAft>
+              <a:buClrTx/>
+              <a:buSzTx/>
+              <a:buFont typeface="Arial" charset="0"/>
+              <a:buChar char="•"/>
+              <a:tabLst/>
+              <a:defRPr/>
+            </a:pPr>
+            <a:r>
+              <a:rPr lang="en-US" b="1" baseline="0" dirty="0" smtClean="0"/>
+              <a:t>Where, and to what, do we </a:t>
+            </a:r>
+            <a:r>
+              <a:rPr lang="en-US" b="1" baseline="0" dirty="0" err="1" smtClean="0"/>
+              <a:t>initialise</a:t>
+            </a:r>
+            <a:r>
+              <a:rPr lang="en-US" b="1" baseline="0" dirty="0" smtClean="0"/>
+              <a:t> </a:t>
+            </a:r>
+            <a:r>
+              <a:rPr lang="en-US" b="1" baseline="0" dirty="0" err="1" smtClean="0"/>
+              <a:t>currentFrame</a:t>
+            </a:r>
+            <a:r>
+              <a:rPr lang="en-US" b="1" baseline="0" dirty="0" smtClean="0"/>
+              <a:t>? </a:t>
+            </a:r>
+            <a:r>
+              <a:rPr lang="en-US" baseline="0" dirty="0" smtClean="0"/>
+              <a:t>In the constructor and to 0</a:t>
+            </a:r>
+          </a:p>
+          <a:p>
+            <a:pPr marL="628650" marR="0" lvl="1" indent="-171450" algn="l" defTabSz="914400" rtl="0" eaLnBrk="1" fontAlgn="auto" latinLnBrk="0" hangingPunct="1">
+              <a:lnSpc>
+                <a:spcPct val="100000"/>
+              </a:lnSpc>
+              <a:spcBef>
+                <a:spcPts val="0"/>
+              </a:spcBef>
+              <a:spcAft>
+                <a:spcPts val="0"/>
+              </a:spcAft>
+              <a:buClrTx/>
+              <a:buSzTx/>
+              <a:buFont typeface="Arial" charset="0"/>
+              <a:buChar char="•"/>
+              <a:tabLst/>
+              <a:defRPr/>
+            </a:pPr>
+            <a:r>
+              <a:rPr lang="en-NZ" b="1" baseline="0" dirty="0" smtClean="0"/>
+              <a:t>Why do we make a separate method for </a:t>
+            </a:r>
+            <a:r>
+              <a:rPr lang="en-NZ" b="1" baseline="0" dirty="0" err="1" smtClean="0"/>
+              <a:t>updateFrame</a:t>
+            </a:r>
+            <a:r>
+              <a:rPr lang="en-NZ" b="1" baseline="0" dirty="0" smtClean="0"/>
+              <a:t>, rather than just add that code to Draw()? </a:t>
+            </a:r>
+            <a:r>
+              <a:rPr lang="en-NZ" baseline="0" dirty="0" smtClean="0"/>
+              <a:t>Because updating the frame is not part of drawing. We can easily imagine situations where we want to control drawing and updating separately. This is an OO thing: one method, one job</a:t>
+            </a:r>
+          </a:p>
+          <a:p>
+            <a:pPr marL="628650" marR="0" lvl="1" indent="-171450" algn="l" defTabSz="914400" rtl="0" eaLnBrk="1" fontAlgn="auto" latinLnBrk="0" hangingPunct="1">
+              <a:lnSpc>
+                <a:spcPct val="100000"/>
+              </a:lnSpc>
+              <a:spcBef>
+                <a:spcPts val="0"/>
+              </a:spcBef>
+              <a:spcAft>
+                <a:spcPts val="0"/>
+              </a:spcAft>
+              <a:buClrTx/>
+              <a:buSzTx/>
+              <a:buFont typeface="Arial" charset="0"/>
+              <a:buChar char="•"/>
+              <a:tabLst/>
+              <a:defRPr/>
+            </a:pPr>
+            <a:r>
+              <a:rPr lang="en-NZ" b="1" baseline="0" dirty="0" smtClean="0"/>
+              <a:t>How does animation happen? </a:t>
+            </a:r>
+            <a:r>
+              <a:rPr lang="en-NZ" baseline="0" dirty="0" smtClean="0"/>
+              <a:t>The consuming class must call Draw(), Update() in a loop. Also, possibly Erase() depending on the implementation. Or, you can provide a wrapper method that bundles them up</a:t>
+            </a:r>
+          </a:p>
+          <a:p>
+            <a:pPr marL="628650" marR="0" lvl="1" indent="-171450" algn="l" defTabSz="914400" rtl="0" eaLnBrk="1" fontAlgn="auto" latinLnBrk="0" hangingPunct="1">
+              <a:lnSpc>
+                <a:spcPct val="100000"/>
+              </a:lnSpc>
+              <a:spcBef>
+                <a:spcPts val="0"/>
+              </a:spcBef>
+              <a:spcAft>
+                <a:spcPts val="0"/>
+              </a:spcAft>
+              <a:buClrTx/>
+              <a:buSzTx/>
+              <a:buFont typeface="Arial" charset="0"/>
+              <a:buChar char="•"/>
+              <a:tabLst/>
+              <a:defRPr/>
+            </a:pPr>
+            <a:endParaRPr lang="en-US" b="1" baseline="0" dirty="0" smtClean="0"/>
           </a:p>
         </p:txBody>
       </p:sp>
@@ -1799,6 +3769,22 @@
               <a:tabLst/>
               <a:defRPr/>
             </a:pPr>
+            <a:r>
+              <a:rPr lang="en-NZ" dirty="0" smtClean="0"/>
+              <a:t>Fortunately,</a:t>
+            </a:r>
+            <a:r>
+              <a:rPr lang="en-NZ" baseline="0" dirty="0" smtClean="0"/>
+              <a:t> bitmaps expose a </a:t>
+            </a:r>
+            <a:r>
+              <a:rPr lang="en-NZ" baseline="0" dirty="0" err="1" smtClean="0"/>
+              <a:t>GetPixel</a:t>
+            </a:r>
+            <a:r>
+              <a:rPr lang="en-NZ" baseline="0" dirty="0" smtClean="0"/>
+              <a:t> method that does exactly what you need here</a:t>
+            </a:r>
             <a:endParaRPr lang="en-US" dirty="0" smtClean="0"/>
           </a:p>
         </p:txBody>
@@ -1887,6 +3873,102 @@
               <a:buFont typeface="Arial" charset="0"/>
               <a:buChar char="•"/>
             </a:pPr>
+            <a:r>
+              <a:rPr lang="en-US" dirty="0" smtClean="0"/>
+              <a:t>2D</a:t>
+            </a:r>
+            <a:r>
+              <a:rPr lang="en-US" baseline="0" dirty="0" smtClean="0"/>
+              <a:t> and 3D are completely different things</a:t>
+            </a:r>
+          </a:p>
+          <a:p>
+            <a:pPr marL="171450" indent="-171450">
+              <a:buFont typeface="Arial" charset="0"/>
+              <a:buChar char="•"/>
+            </a:pPr>
+            <a:endParaRPr lang="en-US" dirty="0" smtClean="0"/>
+          </a:p>
+          <a:p>
+            <a:pPr marL="171450" indent="-171450">
+              <a:buFont typeface="Arial" charset="0"/>
+              <a:buChar char="•"/>
+            </a:pPr>
+            <a:r>
+              <a:rPr lang="en-US" dirty="0" smtClean="0"/>
+              <a:t>N, E, S,</a:t>
+            </a:r>
+            <a:r>
+              <a:rPr lang="en-US" baseline="0" dirty="0" smtClean="0"/>
+              <a:t> W </a:t>
+            </a:r>
+            <a:r>
+              <a:rPr lang="mr-IN" baseline="0" dirty="0" smtClean="0"/>
+              <a:t>–</a:t>
+            </a:r>
+            <a:r>
+              <a:rPr lang="en-US" baseline="0" dirty="0" smtClean="0"/>
+              <a:t> cardinal</a:t>
+            </a:r>
+          </a:p>
+          <a:p>
+            <a:pPr marL="171450" indent="-171450">
+              <a:buFont typeface="Arial" charset="0"/>
+              <a:buChar char="•"/>
+            </a:pPr>
+            <a:endParaRPr lang="en-US" baseline="0" dirty="0" smtClean="0"/>
+          </a:p>
+          <a:p>
+            <a:pPr marL="171450" indent="-171450">
+              <a:buFont typeface="Arial" charset="0"/>
+              <a:buChar char="•"/>
+            </a:pPr>
+            <a:r>
+              <a:rPr lang="en-US" baseline="0" dirty="0" smtClean="0"/>
+              <a:t>N, NE, E, SE, S, SW, W, NW </a:t>
+            </a:r>
+            <a:r>
+              <a:rPr lang="mr-IN" baseline="0" dirty="0" smtClean="0"/>
+              <a:t>–</a:t>
+            </a:r>
+            <a:r>
+              <a:rPr lang="en-US" baseline="0" dirty="0" smtClean="0"/>
+              <a:t> ordinal </a:t>
+            </a:r>
+          </a:p>
+          <a:p>
+            <a:pPr marL="171450" indent="-171450">
+              <a:buFont typeface="Arial" charset="0"/>
+              <a:buChar char="•"/>
+            </a:pPr>
+            <a:endParaRPr lang="en-US" baseline="0" dirty="0" smtClean="0"/>
+          </a:p>
+          <a:p>
+            <a:pPr marL="171450" indent="-171450">
+              <a:buFont typeface="Arial" charset="0"/>
+              <a:buChar char="•"/>
+            </a:pPr>
+            <a:r>
+              <a:rPr lang="en-US" baseline="0" dirty="0" smtClean="0"/>
+              <a:t>We will be using bitmaps going forward</a:t>
+            </a:r>
+          </a:p>
+          <a:p>
+            <a:pPr marL="171450" indent="-171450">
+              <a:buFont typeface="Arial" charset="0"/>
+              <a:buChar char="•"/>
+            </a:pPr>
+            <a:endParaRPr lang="en-US" baseline="0" dirty="0" smtClean="0"/>
+          </a:p>
+          <a:p>
+            <a:pPr marL="171450" indent="-171450">
+              <a:buFont typeface="Arial" charset="0"/>
+              <a:buChar char="•"/>
+            </a:pPr>
+            <a:r>
+              <a:rPr lang="en-US" baseline="0" dirty="0" smtClean="0"/>
+              <a:t>You can create your own graphics using Adobe Photoshop</a:t>
+            </a:r>
             <a:endParaRPr lang="en-US" dirty="0" smtClean="0"/>
           </a:p>
         </p:txBody>
@@ -2343,6 +4425,14 @@
               <a:buFont typeface="Arial" charset="0"/>
               <a:buChar char="•"/>
             </a:pPr>
+            <a:r>
+              <a:rPr lang="en-US" dirty="0" smtClean="0"/>
+              <a:t>This is an important point because it distinguishes frame-based animation from cast-based</a:t>
+            </a:r>
+            <a:r>
+              <a:rPr lang="en-US" baseline="0" dirty="0" smtClean="0"/>
+              <a:t> animation</a:t>
+            </a:r>
             <a:endParaRPr lang="en-US" dirty="0" smtClean="0"/>
           </a:p>
         </p:txBody>
@@ -2652,7 +4742,7 @@
           <a:p>
             <a:fld id="{F8166F1F-CE9B-4651-A6AA-CD717754106B}" type="datetimeFigureOut">
               <a:rPr lang="en-US" smtClean="0"/>
-              <a:t>8/13/19</a:t>
+              <a:t>8/14/2019</a:t>
             </a:fld>
             <a:endParaRPr lang="en-US"/>
           </a:p>
@@ -2817,7 +4907,7 @@
           <a:p>
             <a:fld id="{A76116CE-C4A3-4A05-B2D7-7C2E9A889C0F}" type="datetimeFigureOut">
               <a:rPr lang="en-US" smtClean="0"/>
-              <a:t>8/13/19</a:t>
+              <a:t>8/14/2019</a:t>
             </a:fld>
             <a:endParaRPr lang="en-US"/>
           </a:p>
@@ -2992,7 +5082,7 @@
           <a:p>
             <a:fld id="{A76116CE-C4A3-4A05-B2D7-7C2E9A889C0F}" type="datetimeFigureOut">
               <a:rPr lang="en-US" smtClean="0"/>
-              <a:t>8/13/19</a:t>
+              <a:t>8/14/2019</a:t>
             </a:fld>
             <a:endParaRPr lang="en-US"/>
           </a:p>
@@ -3159,7 +5249,7 @@
           <a:p>
             <a:fld id="{A76116CE-C4A3-4A05-B2D7-7C2E9A889C0F}" type="datetimeFigureOut">
               <a:rPr lang="en-US" smtClean="0"/>
-              <a:t>8/13/19</a:t>
+              <a:t>8/14/2019</a:t>
             </a:fld>
             <a:endParaRPr lang="en-US"/>
           </a:p>
@@ -3400,7 +5490,7 @@
           <a:p>
             <a:fld id="{A76116CE-C4A3-4A05-B2D7-7C2E9A889C0F}" type="datetimeFigureOut">
               <a:rPr lang="en-US" smtClean="0"/>
-              <a:t>8/13/19</a:t>
+              <a:t>8/14/2019</a:t>
             </a:fld>
             <a:endParaRPr lang="en-US"/>
           </a:p>
@@ -3683,7 +5773,7 @@
           <a:p>
             <a:fld id="{A76116CE-C4A3-4A05-B2D7-7C2E9A889C0F}" type="datetimeFigureOut">
               <a:rPr lang="en-US" smtClean="0"/>
-              <a:t>8/13/19</a:t>
+              <a:t>8/14/2019</a:t>
             </a:fld>
             <a:endParaRPr lang="en-US"/>
           </a:p>
@@ -4100,7 +6190,7 @@
           <a:p>
             <a:fld id="{A76116CE-C4A3-4A05-B2D7-7C2E9A889C0F}" type="datetimeFigureOut">
               <a:rPr lang="en-US" smtClean="0"/>
-              <a:t>8/13/19</a:t>
+              <a:t>8/14/2019</a:t>
             </a:fld>
             <a:endParaRPr lang="en-US"/>
           </a:p>
@@ -4213,7 +6303,7 @@
           <a:p>
             <a:fld id="{A76116CE-C4A3-4A05-B2D7-7C2E9A889C0F}" type="datetimeFigureOut">
               <a:rPr lang="en-US" smtClean="0"/>
-              <a:t>8/13/19</a:t>
+              <a:t>8/14/2019</a:t>
             </a:fld>
             <a:endParaRPr lang="en-US"/>
           </a:p>
@@ -4303,7 +6393,7 @@
           <a:p>
             <a:fld id="{A76116CE-C4A3-4A05-B2D7-7C2E9A889C0F}" type="datetimeFigureOut">
               <a:rPr lang="en-US" smtClean="0"/>
-              <a:t>8/13/19</a:t>
+              <a:t>8/14/2019</a:t>
             </a:fld>
             <a:endParaRPr lang="en-US"/>
           </a:p>
@@ -4575,7 +6665,7 @@
           <a:p>
             <a:fld id="{A76116CE-C4A3-4A05-B2D7-7C2E9A889C0F}" type="datetimeFigureOut">
               <a:rPr lang="en-US" smtClean="0"/>
-              <a:t>8/13/19</a:t>
+              <a:t>8/14/2019</a:t>
             </a:fld>
             <a:endParaRPr lang="en-US"/>
           </a:p>
@@ -4823,7 +6913,7 @@
           <a:p>
             <a:fld id="{A76116CE-C4A3-4A05-B2D7-7C2E9A889C0F}" type="datetimeFigureOut">
               <a:rPr lang="en-US" smtClean="0"/>
-              <a:t>8/13/19</a:t>
+              <a:t>8/14/2019</a:t>
             </a:fld>
             <a:endParaRPr lang="en-US"/>
           </a:p>
@@ -5031,7 +7121,7 @@
           <a:p>
             <a:fld id="{F8166F1F-CE9B-4651-A6AA-CD717754106B}" type="datetimeFigureOut">
               <a:rPr lang="en-US" smtClean="0"/>
-              <a:t>8/13/19</a:t>
+              <a:t>8/14/2019</a:t>
             </a:fld>
             <a:endParaRPr lang="en-US"/>
           </a:p>
@@ -5623,7 +7713,7 @@
           <p:nvPr/>
         </p:nvPicPr>
         <p:blipFill>
-          <a:blip r:embed="rId3">
+          <a:blip r:embed="rId3" cstate="print">
             <a:extLst>
               <a:ext uri="{28A0092B-C50C-407E-A947-70E740481C1C}">
                 <a14:useLocalDpi xmlns:a14="http://schemas.microsoft.com/office/drawing/2010/main" val="0"/>
@@ -5825,7 +7915,7 @@
           <p:nvPr/>
         </p:nvPicPr>
         <p:blipFill>
-          <a:blip r:embed="rId3">
+          <a:blip r:embed="rId3" cstate="print">
             <a:extLst>
               <a:ext uri="{28A0092B-C50C-407E-A947-70E740481C1C}">
                 <a14:useLocalDpi xmlns:a14="http://schemas.microsoft.com/office/drawing/2010/main" val="0"/>
@@ -6464,9 +8554,26 @@
               <a:buChar char="•"/>
             </a:pPr>
             <a:r>
+              <a:rPr lang="en-US" sz="2000" dirty="0" err="1"/>
+              <a:t>i</a:t>
+            </a:r>
+            <a:r>
+              <a:rPr lang="en-US" sz="2000" dirty="0" err="1" smtClean="0"/>
+              <a:t>nt</a:t>
+            </a:r>
+            <a:r>
               <a:rPr lang="en-US" sz="2000" dirty="0" smtClean="0"/>
-              <a:t>Int xLocation</a:t>
-            </a:r>
+              <a:t> </a:t>
+            </a:r>
+            <a:r>
+              <a:rPr lang="en-US" sz="2000" dirty="0" err="1" smtClean="0"/>
+              <a:t>xLocation</a:t>
+            </a:r>
+            <a:r>
+              <a:rPr lang="en-US" sz="2000" dirty="0" smtClean="0"/>
+              <a:t> // canvas</a:t>
+            </a:r>
+            <a:endParaRPr lang="en-US" sz="2000" dirty="0" smtClean="0"/>
           </a:p>
           <a:p>
             <a:pPr marL="2114550" lvl="3" indent="-742950">
@@ -6474,9 +8581,26 @@
               <a:buChar char="•"/>
             </a:pPr>
             <a:r>
+              <a:rPr lang="en-US" sz="2000" dirty="0" err="1"/>
+              <a:t>i</a:t>
+            </a:r>
+            <a:r>
+              <a:rPr lang="en-US" sz="2000" dirty="0" err="1" smtClean="0"/>
+              <a:t>nt</a:t>
+            </a:r>
+            <a:r>
               <a:rPr lang="en-US" sz="2000" dirty="0" smtClean="0"/>
-              <a:t>Int yLocation</a:t>
-            </a:r>
+              <a:t> </a:t>
+            </a:r>
+            <a:r>
+              <a:rPr lang="en-US" sz="2000" dirty="0" err="1" smtClean="0"/>
+              <a:t>yLocation</a:t>
+            </a:r>
+            <a:r>
+              <a:rPr lang="en-US" sz="2000" dirty="0" smtClean="0"/>
+              <a:t> // canvas</a:t>
+            </a:r>
+            <a:endParaRPr lang="en-US" sz="2000" dirty="0" smtClean="0"/>
           </a:p>
           <a:p>
             <a:pPr marL="2114550" lvl="3" indent="-742950">
@@ -6485,8 +8609,17 @@
             </a:pPr>
             <a:r>
               <a:rPr lang="en-US" sz="2000" dirty="0" smtClean="0"/>
-              <a:t>Rectangle rectangle</a:t>
-            </a:r>
+              <a:t>Rectangle </a:t>
+            </a:r>
+            <a:r>
+              <a:rPr lang="en-US" sz="2000" dirty="0" err="1" smtClean="0"/>
+              <a:t>rectangle</a:t>
+            </a:r>
+            <a:r>
+              <a:rPr lang="en-US" sz="2000" dirty="0" smtClean="0"/>
+              <a:t> // source</a:t>
+            </a:r>
+            <a:endParaRPr lang="en-US" sz="2000" dirty="0" smtClean="0"/>
           </a:p>
           <a:p>
             <a:pPr marL="2114550" lvl="3" indent="-742950">
@@ -6884,8 +9017,20 @@
                 <a:tableStyleId>{5C22544A-7EE6-4342-B048-85BDC9FD1C3A}</a:tableStyleId>
               </a:tblPr>
               <a:tblGrid>
-                <a:gridCol w="838200"/>
-                <a:gridCol w="5257800"/>
+                <a:gridCol w="838200">
+                  <a:extLst>
+                    <a:ext uri="{9D8B030D-6E8A-4147-A177-3AD203B41FA5}">
+                      <a16:colId xmlns:a16="http://schemas.microsoft.com/office/drawing/2014/main" val="20000"/>
+                    </a:ext>
+                  </a:extLst>
+                </a:gridCol>
+                <a:gridCol w="5257800">
+                  <a:extLst>
+                    <a:ext uri="{9D8B030D-6E8A-4147-A177-3AD203B41FA5}">
+                      <a16:colId xmlns:a16="http://schemas.microsoft.com/office/drawing/2014/main" val="20001"/>
+                    </a:ext>
+                  </a:extLst>
+                </a:gridCol>
               </a:tblGrid>
               <a:tr h="370840">
                 <a:tc>
@@ -6916,6 +9061,11 @@
                   </a:txBody>
                   <a:tcPr/>
                 </a:tc>
+                <a:extLst>
+                  <a:ext uri="{0D108BD9-81ED-4DB2-BD59-A6C34878D82A}">
+                    <a16:rowId xmlns:a16="http://schemas.microsoft.com/office/drawing/2014/main" val="10000"/>
+                  </a:ext>
+                </a:extLst>
               </a:tr>
               <a:tr h="370840">
                 <a:tc>
@@ -6950,6 +9100,11 @@
                   </a:txBody>
                   <a:tcPr/>
                 </a:tc>
+                <a:extLst>
+                  <a:ext uri="{0D108BD9-81ED-4DB2-BD59-A6C34878D82A}">
+                    <a16:rowId xmlns:a16="http://schemas.microsoft.com/office/drawing/2014/main" val="10001"/>
+                  </a:ext>
+                </a:extLst>
               </a:tr>
               <a:tr h="370840">
                 <a:tc>
@@ -6984,6 +9139,11 @@
                   </a:txBody>
                   <a:tcPr/>
                 </a:tc>
+                <a:extLst>
+                  <a:ext uri="{0D108BD9-81ED-4DB2-BD59-A6C34878D82A}">
+                    <a16:rowId xmlns:a16="http://schemas.microsoft.com/office/drawing/2014/main" val="10002"/>
+                  </a:ext>
+                </a:extLst>
               </a:tr>
               <a:tr h="370840">
                 <a:tc>
@@ -7038,6 +9198,11 @@
                   </a:txBody>
                   <a:tcPr/>
                 </a:tc>
+                <a:extLst>
+                  <a:ext uri="{0D108BD9-81ED-4DB2-BD59-A6C34878D82A}">
+                    <a16:rowId xmlns:a16="http://schemas.microsoft.com/office/drawing/2014/main" val="10003"/>
+                  </a:ext>
+                </a:extLst>
               </a:tr>
               <a:tr h="370840">
                 <a:tc>
@@ -7092,6 +9257,11 @@
                   </a:txBody>
                   <a:tcPr/>
                 </a:tc>
+                <a:extLst>
+                  <a:ext uri="{0D108BD9-81ED-4DB2-BD59-A6C34878D82A}">
+                    <a16:rowId xmlns:a16="http://schemas.microsoft.com/office/drawing/2014/main" val="10004"/>
+                  </a:ext>
+                </a:extLst>
               </a:tr>
               <a:tr h="370840">
                 <a:tc>
@@ -7118,6 +9288,11 @@
                   </a:txBody>
                   <a:tcPr/>
                 </a:tc>
+                <a:extLst>
+                  <a:ext uri="{0D108BD9-81ED-4DB2-BD59-A6C34878D82A}">
+                    <a16:rowId xmlns:a16="http://schemas.microsoft.com/office/drawing/2014/main" val="10005"/>
+                  </a:ext>
+                </a:extLst>
               </a:tr>
               <a:tr h="370840">
                 <a:tc>
@@ -7196,6 +9371,11 @@
                   </a:txBody>
                   <a:tcPr/>
                 </a:tc>
+                <a:extLst>
+                  <a:ext uri="{0D108BD9-81ED-4DB2-BD59-A6C34878D82A}">
+                    <a16:rowId xmlns:a16="http://schemas.microsoft.com/office/drawing/2014/main" val="10006"/>
+                  </a:ext>
+                </a:extLst>
               </a:tr>
             </a:tbl>
           </a:graphicData>
